--- a/样例测试结果_2.pptx
+++ b/样例测试结果_2.pptx
@@ -17,6 +17,7 @@
     <p:sldId id="274" r:id="rId12"/>
     <p:sldId id="276" r:id="rId13"/>
     <p:sldId id="275" r:id="rId14"/>
+    <p:sldId id="277" r:id="rId15"/>
   </p:sldIdLst>
   <p:sldSz cx="12192000" cy="6858000"/>
   <p:notesSz cx="6858000" cy="9144000"/>
@@ -7496,14 +7497,1086 @@
             <p:ph idx="1"/>
           </p:nvPr>
         </p:nvSpPr>
+        <p:spPr>
+          <a:xfrm>
+            <a:off x="1120140" y="1826895"/>
+            <a:ext cx="10233660" cy="4643755"/>
+          </a:xfrm>
+        </p:spPr>
+        <p:txBody>
+          <a:bodyPr>
+            <a:normAutofit/>
+          </a:bodyPr>
+          <a:p>
+            <a:r>
+              <a:rPr lang="zh-CN" altLang="en-US"/>
+              <a:t>部分符号定义</a:t>
+            </a:r>
+            <a:endParaRPr lang="zh-CN" altLang="en-US"/>
+          </a:p>
+          <a:p>
+            <a:pPr lvl="1"/>
+            <a:r>
+              <a:rPr lang="en-US" altLang="zh-CN"/>
+              <a:t>Scope</a:t>
+            </a:r>
+            <a:endParaRPr lang="en-US" altLang="zh-CN"/>
+          </a:p>
+          <a:p>
+            <a:pPr lvl="2"/>
+            <a:r>
+              <a:rPr lang="zh-CN" altLang="en-US"/>
+              <a:t>定义域，范围最广概括性最强，可能和其他单个符号挂钩，同时描述所有内部包含的符号</a:t>
+            </a:r>
+            <a:endParaRPr lang="zh-CN" altLang="en-US"/>
+          </a:p>
+          <a:p>
+            <a:pPr lvl="2"/>
+            <a:r>
+              <a:rPr lang="en-US" altLang="zh-CN"/>
+              <a:t>Scope</a:t>
+            </a:r>
+            <a:r>
+              <a:rPr lang="zh-CN" altLang="en-US"/>
+              <a:t>间构成嵌套</a:t>
+            </a:r>
+            <a:r>
+              <a:rPr lang="en-US" altLang="zh-CN">
+                <a:sym typeface="+mn-ea"/>
+              </a:rPr>
+              <a:t>(nested)</a:t>
+            </a:r>
+            <a:r>
+              <a:rPr lang="zh-CN" altLang="en-US"/>
+              <a:t>关系</a:t>
+            </a:r>
+            <a:endParaRPr lang="en-US" altLang="zh-CN"/>
+          </a:p>
+          <a:p>
+            <a:pPr lvl="1"/>
+            <a:r>
+              <a:rPr lang="en-US" altLang="zh-CN"/>
+              <a:t>Function</a:t>
+            </a:r>
+            <a:endParaRPr lang="en-US" altLang="zh-CN"/>
+          </a:p>
+          <a:p>
+            <a:pPr lvl="2"/>
+            <a:r>
+              <a:rPr lang="zh-CN" altLang="en-US"/>
+              <a:t>几乎完全伴随</a:t>
+            </a:r>
+            <a:r>
+              <a:rPr lang="en-US" altLang="zh-CN"/>
+              <a:t>Scope</a:t>
+            </a:r>
+            <a:r>
+              <a:rPr lang="zh-CN" altLang="en-US"/>
+              <a:t>出现，因为有参数与</a:t>
+            </a:r>
+            <a:r>
+              <a:rPr lang="en-US" altLang="zh-CN"/>
+              <a:t>Variable</a:t>
+            </a:r>
+            <a:r>
+              <a:rPr lang="zh-CN" altLang="en-US"/>
+              <a:t>相关</a:t>
+            </a:r>
+            <a:endParaRPr lang="zh-CN" altLang="en-US"/>
+          </a:p>
+          <a:p>
+            <a:pPr lvl="1"/>
+            <a:r>
+              <a:rPr lang="en-US" altLang="zh-CN"/>
+              <a:t>Type</a:t>
+            </a:r>
+            <a:endParaRPr lang="en-US" altLang="zh-CN"/>
+          </a:p>
+          <a:p>
+            <a:pPr lvl="2"/>
+            <a:r>
+              <a:rPr lang="zh-CN" altLang="en-US"/>
+              <a:t>描述一个类（不是类型），完全 伴随相应</a:t>
+            </a:r>
+            <a:r>
+              <a:rPr lang="en-US" altLang="zh-CN"/>
+              <a:t>Scope</a:t>
+            </a:r>
+            <a:endParaRPr lang="en-US" altLang="zh-CN"/>
+          </a:p>
+          <a:p>
+            <a:pPr lvl="1"/>
+            <a:r>
+              <a:rPr lang="en-US" altLang="zh-CN"/>
+              <a:t>Variable</a:t>
+            </a:r>
+            <a:endParaRPr lang="en-US" altLang="zh-CN"/>
+          </a:p>
+          <a:p>
+            <a:pPr lvl="2"/>
+            <a:r>
+              <a:rPr lang="zh-CN" altLang="en-US" sz="2000"/>
+              <a:t>描述一个变量，可能在源码中有多处对应</a:t>
+            </a:r>
+            <a:endParaRPr lang="zh-CN" altLang="en-US" sz="2000"/>
+          </a:p>
+          <a:p>
+            <a:pPr lvl="2"/>
+            <a:r>
+              <a:rPr lang="zh-CN" altLang="en-US"/>
+              <a:t>一定属于一种定义域，对应一种类型（</a:t>
+            </a:r>
+            <a:r>
+              <a:rPr lang="en-US" altLang="zh-CN"/>
+              <a:t>Type</a:t>
+            </a:r>
+            <a:r>
+              <a:rPr lang="zh-CN" altLang="en-US"/>
+              <a:t>或枚举表示的基础类型）</a:t>
+            </a:r>
+            <a:endParaRPr lang="en-US" altLang="zh-CN"/>
+          </a:p>
+        </p:txBody>
+      </p:sp>
+    </p:spTree>
+  </p:cSld>
+  <p:clrMapOvr>
+    <a:masterClrMapping/>
+  </p:clrMapOvr>
+</p:sld>
+</file>
+
+<file path=ppt/slides/slide13.xml><?xml version="1.0" encoding="utf-8"?>
+<p:sld xmlns:a="http://schemas.openxmlformats.org/drawingml/2006/main" xmlns:r="http://schemas.openxmlformats.org/officeDocument/2006/relationships" xmlns:p="http://schemas.openxmlformats.org/presentationml/2006/main">
+  <p:cSld>
+    <p:spTree>
+      <p:nvGrpSpPr>
+        <p:cNvPr id="1" name=""/>
+        <p:cNvGrpSpPr/>
+        <p:nvPr/>
+      </p:nvGrpSpPr>
+      <p:grpSpPr/>
+      <p:sp>
+        <p:nvSpPr>
+          <p:cNvPr id="2" name="标题 1"/>
+          <p:cNvSpPr>
+            <a:spLocks noGrp="1"/>
+          </p:cNvSpPr>
+          <p:nvPr>
+            <p:ph type="title"/>
+          </p:nvPr>
+        </p:nvSpPr>
         <p:spPr/>
         <p:txBody>
           <a:bodyPr/>
           <a:p>
+            <a:r>
+              <a:rPr lang="en-US" altLang="zh-CN">
+                <a:sym typeface="+mn-ea"/>
+              </a:rPr>
+              <a:t>SymbolDB</a:t>
+            </a:r>
+            <a:r>
+              <a:rPr lang="zh-CN" altLang="en-US">
+                <a:sym typeface="+mn-ea"/>
+              </a:rPr>
+              <a:t>模块</a:t>
+            </a:r>
             <a:endParaRPr lang="zh-CN" altLang="en-US"/>
           </a:p>
         </p:txBody>
       </p:sp>
+      <p:sp>
+        <p:nvSpPr>
+          <p:cNvPr id="3" name="内容占位符 2"/>
+          <p:cNvSpPr>
+            <a:spLocks noGrp="1"/>
+          </p:cNvSpPr>
+          <p:nvPr>
+            <p:ph idx="1"/>
+          </p:nvPr>
+        </p:nvSpPr>
+        <p:spPr>
+          <a:xfrm>
+            <a:off x="1120775" y="1826260"/>
+            <a:ext cx="1839595" cy="516255"/>
+          </a:xfrm>
+        </p:spPr>
+        <p:txBody>
+          <a:bodyPr/>
+          <a:p>
+            <a:r>
+              <a:rPr lang="zh-CN" altLang="en-US"/>
+              <a:t>类关系</a:t>
+            </a:r>
+            <a:endParaRPr lang="zh-CN" altLang="en-US"/>
+          </a:p>
+        </p:txBody>
+      </p:sp>
+      <p:grpSp>
+        <p:nvGrpSpPr>
+          <p:cNvPr id="29" name="组合 28"/>
+          <p:cNvGrpSpPr/>
+          <p:nvPr/>
+        </p:nvGrpSpPr>
+        <p:grpSpPr>
+          <a:xfrm>
+            <a:off x="1676400" y="1830705"/>
+            <a:ext cx="9370695" cy="4360545"/>
+            <a:chOff x="1524" y="2163"/>
+            <a:chExt cx="14757" cy="6867"/>
+          </a:xfrm>
+        </p:grpSpPr>
+        <p:sp>
+          <p:nvSpPr>
+            <p:cNvPr id="6" name="矩形 5"/>
+            <p:cNvSpPr/>
+            <p:nvPr/>
+          </p:nvSpPr>
+          <p:spPr>
+            <a:xfrm>
+              <a:off x="6504" y="2663"/>
+              <a:ext cx="3741" cy="2410"/>
+            </a:xfrm>
+            <a:prstGeom prst="rect">
+              <a:avLst/>
+            </a:prstGeom>
+          </p:spPr>
+          <p:style>
+            <a:lnRef idx="2">
+              <a:schemeClr val="accent1">
+                <a:shade val="50000"/>
+              </a:schemeClr>
+            </a:lnRef>
+            <a:fillRef idx="1">
+              <a:schemeClr val="accent1"/>
+            </a:fillRef>
+            <a:effectRef idx="0">
+              <a:schemeClr val="accent1"/>
+            </a:effectRef>
+            <a:fontRef idx="minor">
+              <a:schemeClr val="lt1"/>
+            </a:fontRef>
+          </p:style>
+          <p:txBody>
+            <a:bodyPr rtlCol="0" anchor="ctr"/>
+            <a:p>
+              <a:pPr algn="ctr"/>
+              <a:r>
+                <a:rPr lang="en-US" altLang="zh-CN"/>
+                <a:t>Scope</a:t>
+              </a:r>
+              <a:endParaRPr lang="en-US" altLang="zh-CN"/>
+            </a:p>
+            <a:p>
+              <a:pPr algn="ctr"/>
+              <a:endParaRPr lang="en-US" altLang="zh-CN"/>
+            </a:p>
+            <a:p>
+              <a:pPr algn="ctr"/>
+              <a:r>
+                <a:rPr lang="en-US" altLang="zh-CN"/>
+                <a:t>-funcList -varList</a:t>
+              </a:r>
+              <a:endParaRPr lang="en-US" altLang="zh-CN"/>
+            </a:p>
+            <a:p>
+              <a:pPr algn="ctr"/>
+              <a:r>
+                <a:rPr lang="en-US" altLang="zh-CN"/>
+                <a:t>-definedTypes</a:t>
+              </a:r>
+              <a:endParaRPr lang="en-US" altLang="zh-CN"/>
+            </a:p>
+            <a:p>
+              <a:pPr algn="ctr"/>
+              <a:r>
+                <a:rPr lang="en-US" altLang="zh-CN"/>
+                <a:t>-nest</a:t>
+              </a:r>
+              <a:endParaRPr lang="en-US" altLang="zh-CN"/>
+            </a:p>
+          </p:txBody>
+        </p:sp>
+        <p:sp>
+          <p:nvSpPr>
+            <p:cNvPr id="7" name="矩形 6"/>
+            <p:cNvSpPr/>
+            <p:nvPr/>
+          </p:nvSpPr>
+          <p:spPr>
+            <a:xfrm>
+              <a:off x="6935" y="6331"/>
+              <a:ext cx="2876" cy="2255"/>
+            </a:xfrm>
+            <a:prstGeom prst="rect">
+              <a:avLst/>
+            </a:prstGeom>
+          </p:spPr>
+          <p:style>
+            <a:lnRef idx="2">
+              <a:schemeClr val="accent1">
+                <a:shade val="50000"/>
+              </a:schemeClr>
+            </a:lnRef>
+            <a:fillRef idx="1">
+              <a:schemeClr val="accent1"/>
+            </a:fillRef>
+            <a:effectRef idx="0">
+              <a:schemeClr val="accent1"/>
+            </a:effectRef>
+            <a:fontRef idx="minor">
+              <a:schemeClr val="lt1"/>
+            </a:fontRef>
+          </p:style>
+          <p:txBody>
+            <a:bodyPr rtlCol="0" anchor="ctr"/>
+            <a:p>
+              <a:pPr algn="ctr"/>
+              <a:r>
+                <a:rPr lang="en-US" altLang="zh-CN"/>
+                <a:t>Variable</a:t>
+              </a:r>
+              <a:endParaRPr lang="en-US" altLang="zh-CN"/>
+            </a:p>
+            <a:p>
+              <a:pPr algn="ctr"/>
+              <a:endParaRPr lang="en-US" altLang="zh-CN"/>
+            </a:p>
+            <a:p>
+              <a:pPr algn="ctr"/>
+              <a:r>
+                <a:rPr lang="en-US" altLang="zh-CN"/>
+                <a:t>-type</a:t>
+              </a:r>
+              <a:endParaRPr lang="en-US" altLang="zh-CN"/>
+            </a:p>
+            <a:p>
+              <a:pPr algn="ctr"/>
+              <a:r>
+                <a:rPr lang="en-US" altLang="zh-CN"/>
+                <a:t>-scope</a:t>
+              </a:r>
+              <a:endParaRPr lang="en-US" altLang="zh-CN"/>
+            </a:p>
+          </p:txBody>
+        </p:sp>
+        <p:sp>
+          <p:nvSpPr>
+            <p:cNvPr id="8" name="矩形 7"/>
+            <p:cNvSpPr/>
+            <p:nvPr/>
+          </p:nvSpPr>
+          <p:spPr>
+            <a:xfrm>
+              <a:off x="1524" y="6010"/>
+              <a:ext cx="3582" cy="2890"/>
+            </a:xfrm>
+            <a:prstGeom prst="rect">
+              <a:avLst/>
+            </a:prstGeom>
+          </p:spPr>
+          <p:style>
+            <a:lnRef idx="2">
+              <a:schemeClr val="accent1">
+                <a:shade val="50000"/>
+              </a:schemeClr>
+            </a:lnRef>
+            <a:fillRef idx="1">
+              <a:schemeClr val="accent1"/>
+            </a:fillRef>
+            <a:effectRef idx="0">
+              <a:schemeClr val="accent1"/>
+            </a:effectRef>
+            <a:fontRef idx="minor">
+              <a:schemeClr val="lt1"/>
+            </a:fontRef>
+          </p:style>
+          <p:txBody>
+            <a:bodyPr rtlCol="0" anchor="ctr"/>
+            <a:p>
+              <a:pPr algn="ctr"/>
+              <a:r>
+                <a:rPr lang="en-US" altLang="zh-CN"/>
+                <a:t>Function</a:t>
+              </a:r>
+              <a:endParaRPr lang="en-US" altLang="zh-CN"/>
+            </a:p>
+            <a:p>
+              <a:pPr algn="ctr"/>
+              <a:endParaRPr lang="en-US" altLang="zh-CN"/>
+            </a:p>
+            <a:p>
+              <a:pPr algn="ctr"/>
+              <a:r>
+                <a:rPr lang="en-US" altLang="zh-CN"/>
+                <a:t>-retType -classType</a:t>
+              </a:r>
+              <a:endParaRPr lang="en-US" altLang="zh-CN"/>
+            </a:p>
+            <a:p>
+              <a:pPr algn="ctr"/>
+              <a:r>
+                <a:rPr lang="en-US" altLang="zh-CN"/>
+                <a:t>-argList</a:t>
+              </a:r>
+              <a:endParaRPr lang="en-US" altLang="zh-CN"/>
+            </a:p>
+            <a:p>
+              <a:pPr algn="ctr"/>
+              <a:r>
+                <a:rPr lang="en-US" altLang="zh-CN"/>
+                <a:t>-funcScope -nestIn </a:t>
+              </a:r>
+              <a:endParaRPr lang="en-US" altLang="zh-CN"/>
+            </a:p>
+          </p:txBody>
+        </p:sp>
+        <p:sp>
+          <p:nvSpPr>
+            <p:cNvPr id="9" name="矩形 8"/>
+            <p:cNvSpPr/>
+            <p:nvPr/>
+          </p:nvSpPr>
+          <p:spPr>
+            <a:xfrm>
+              <a:off x="11540" y="5896"/>
+              <a:ext cx="2481" cy="3119"/>
+            </a:xfrm>
+            <a:prstGeom prst="rect">
+              <a:avLst/>
+            </a:prstGeom>
+          </p:spPr>
+          <p:style>
+            <a:lnRef idx="2">
+              <a:schemeClr val="accent1">
+                <a:shade val="50000"/>
+              </a:schemeClr>
+            </a:lnRef>
+            <a:fillRef idx="1">
+              <a:schemeClr val="accent1"/>
+            </a:fillRef>
+            <a:effectRef idx="0">
+              <a:schemeClr val="accent1"/>
+            </a:effectRef>
+            <a:fontRef idx="minor">
+              <a:schemeClr val="lt1"/>
+            </a:fontRef>
+          </p:style>
+          <p:txBody>
+            <a:bodyPr rtlCol="0" anchor="ctr"/>
+            <a:p>
+              <a:pPr algn="ctr"/>
+              <a:r>
+                <a:rPr lang="en-US" altLang="zh-CN"/>
+                <a:t>Type</a:t>
+              </a:r>
+              <a:endParaRPr lang="en-US" altLang="zh-CN"/>
+            </a:p>
+            <a:p>
+              <a:pPr algn="ctr"/>
+              <a:endParaRPr lang="en-US" altLang="zh-CN"/>
+            </a:p>
+            <a:p>
+              <a:pPr algn="ctr"/>
+              <a:r>
+                <a:rPr lang="en-US" altLang="zh-CN"/>
+                <a:t>-typeScope</a:t>
+              </a:r>
+              <a:endParaRPr lang="en-US" altLang="zh-CN"/>
+            </a:p>
+            <a:p>
+              <a:pPr algn="ctr"/>
+              <a:r>
+                <a:rPr lang="en-US" altLang="zh-CN"/>
+                <a:t>-nestIn</a:t>
+              </a:r>
+              <a:endParaRPr lang="en-US" altLang="zh-CN"/>
+            </a:p>
+            <a:p>
+              <a:pPr algn="ctr"/>
+              <a:r>
+                <a:rPr lang="en-US" altLang="zh-CN"/>
+                <a:t>-baseInfo</a:t>
+              </a:r>
+              <a:endParaRPr lang="en-US" altLang="zh-CN"/>
+            </a:p>
+            <a:p>
+              <a:pPr algn="ctr"/>
+              <a:r>
+                <a:rPr lang="en-US" altLang="zh-CN"/>
+                <a:t>-friendInfo</a:t>
+              </a:r>
+              <a:endParaRPr lang="en-US" altLang="zh-CN"/>
+            </a:p>
+          </p:txBody>
+        </p:sp>
+        <p:cxnSp>
+          <p:nvCxnSpPr>
+            <p:cNvPr id="10" name="肘形连接符 9"/>
+            <p:cNvCxnSpPr>
+              <a:stCxn id="6" idx="1"/>
+              <a:endCxn id="6" idx="0"/>
+            </p:cNvCxnSpPr>
+            <p:nvPr/>
+          </p:nvCxnSpPr>
+          <p:spPr>
+            <a:xfrm rot="10800000" flipH="1">
+              <a:off x="6504" y="2663"/>
+              <a:ext cx="1871" cy="1205"/>
+            </a:xfrm>
+            <a:prstGeom prst="bentConnector4">
+              <a:avLst>
+                <a:gd name="adj1" fmla="val -20043"/>
+                <a:gd name="adj2" fmla="val 131120"/>
+              </a:avLst>
+            </a:prstGeom>
+            <a:ln>
+              <a:tailEnd type="arrow"/>
+            </a:ln>
+          </p:spPr>
+          <p:style>
+            <a:lnRef idx="1">
+              <a:schemeClr val="accent1"/>
+            </a:lnRef>
+            <a:fillRef idx="0">
+              <a:schemeClr val="accent1"/>
+            </a:fillRef>
+            <a:effectRef idx="0">
+              <a:schemeClr val="accent1"/>
+            </a:effectRef>
+            <a:fontRef idx="minor">
+              <a:schemeClr val="tx1"/>
+            </a:fontRef>
+          </p:style>
+        </p:cxnSp>
+        <p:cxnSp>
+          <p:nvCxnSpPr>
+            <p:cNvPr id="14" name="肘形连接符 13"/>
+            <p:cNvCxnSpPr>
+              <a:stCxn id="8" idx="3"/>
+              <a:endCxn id="7" idx="1"/>
+            </p:cNvCxnSpPr>
+            <p:nvPr/>
+          </p:nvCxnSpPr>
+          <p:spPr>
+            <a:xfrm>
+              <a:off x="5106" y="7455"/>
+              <a:ext cx="1829" cy="4"/>
+            </a:xfrm>
+            <a:prstGeom prst="bentConnector3">
+              <a:avLst>
+                <a:gd name="adj1" fmla="val 50027"/>
+              </a:avLst>
+            </a:prstGeom>
+            <a:ln>
+              <a:tailEnd type="arrow"/>
+            </a:ln>
+          </p:spPr>
+          <p:style>
+            <a:lnRef idx="1">
+              <a:schemeClr val="accent1"/>
+            </a:lnRef>
+            <a:fillRef idx="0">
+              <a:schemeClr val="accent1"/>
+            </a:fillRef>
+            <a:effectRef idx="0">
+              <a:schemeClr val="accent1"/>
+            </a:effectRef>
+            <a:fontRef idx="minor">
+              <a:schemeClr val="tx1"/>
+            </a:fontRef>
+          </p:style>
+        </p:cxnSp>
+        <p:cxnSp>
+          <p:nvCxnSpPr>
+            <p:cNvPr id="16" name="肘形连接符 15"/>
+            <p:cNvCxnSpPr>
+              <a:stCxn id="7" idx="3"/>
+              <a:endCxn id="9" idx="1"/>
+            </p:cNvCxnSpPr>
+            <p:nvPr/>
+          </p:nvCxnSpPr>
+          <p:spPr>
+            <a:xfrm flipV="1">
+              <a:off x="9811" y="7456"/>
+              <a:ext cx="1729" cy="3"/>
+            </a:xfrm>
+            <a:prstGeom prst="bentConnector3">
+              <a:avLst>
+                <a:gd name="adj1" fmla="val 50029"/>
+              </a:avLst>
+            </a:prstGeom>
+            <a:ln>
+              <a:tailEnd type="arrow"/>
+            </a:ln>
+          </p:spPr>
+          <p:style>
+            <a:lnRef idx="1">
+              <a:schemeClr val="accent1"/>
+            </a:lnRef>
+            <a:fillRef idx="0">
+              <a:schemeClr val="accent1"/>
+            </a:fillRef>
+            <a:effectRef idx="0">
+              <a:schemeClr val="accent1"/>
+            </a:effectRef>
+            <a:fontRef idx="minor">
+              <a:schemeClr val="tx1"/>
+            </a:fontRef>
+          </p:style>
+        </p:cxnSp>
+        <p:cxnSp>
+          <p:nvCxnSpPr>
+            <p:cNvPr id="18" name="肘形连接符 17"/>
+            <p:cNvCxnSpPr>
+              <a:stCxn id="9" idx="2"/>
+              <a:endCxn id="9" idx="3"/>
+            </p:cNvCxnSpPr>
+            <p:nvPr/>
+          </p:nvCxnSpPr>
+          <p:spPr>
+            <a:xfrm rot="5400000" flipH="1" flipV="1">
+              <a:off x="12622" y="7616"/>
+              <a:ext cx="1559" cy="1240"/>
+            </a:xfrm>
+            <a:prstGeom prst="bentConnector4">
+              <a:avLst>
+                <a:gd name="adj1" fmla="val -24022"/>
+                <a:gd name="adj2" fmla="val 130202"/>
+              </a:avLst>
+            </a:prstGeom>
+            <a:ln>
+              <a:tailEnd type="arrow"/>
+            </a:ln>
+          </p:spPr>
+          <p:style>
+            <a:lnRef idx="1">
+              <a:schemeClr val="accent1"/>
+            </a:lnRef>
+            <a:fillRef idx="0">
+              <a:schemeClr val="accent1"/>
+            </a:fillRef>
+            <a:effectRef idx="0">
+              <a:schemeClr val="accent1"/>
+            </a:effectRef>
+            <a:fontRef idx="minor">
+              <a:schemeClr val="tx1"/>
+            </a:fontRef>
+          </p:style>
+        </p:cxnSp>
+        <p:cxnSp>
+          <p:nvCxnSpPr>
+            <p:cNvPr id="22" name="肘形连接符 21"/>
+            <p:cNvCxnSpPr>
+              <a:stCxn id="6" idx="3"/>
+              <a:endCxn id="9" idx="0"/>
+            </p:cNvCxnSpPr>
+            <p:nvPr/>
+          </p:nvCxnSpPr>
+          <p:spPr>
+            <a:xfrm>
+              <a:off x="10245" y="3868"/>
+              <a:ext cx="2536" cy="2028"/>
+            </a:xfrm>
+            <a:prstGeom prst="bentConnector2">
+              <a:avLst/>
+            </a:prstGeom>
+            <a:ln>
+              <a:headEnd type="arrow"/>
+              <a:tailEnd type="arrow"/>
+            </a:ln>
+          </p:spPr>
+          <p:style>
+            <a:lnRef idx="1">
+              <a:schemeClr val="accent1"/>
+            </a:lnRef>
+            <a:fillRef idx="0">
+              <a:schemeClr val="accent1"/>
+            </a:fillRef>
+            <a:effectRef idx="0">
+              <a:schemeClr val="accent1"/>
+            </a:effectRef>
+            <a:fontRef idx="minor">
+              <a:schemeClr val="tx1"/>
+            </a:fontRef>
+          </p:style>
+        </p:cxnSp>
+        <p:cxnSp>
+          <p:nvCxnSpPr>
+            <p:cNvPr id="23" name="肘形连接符 22"/>
+            <p:cNvCxnSpPr>
+              <a:stCxn id="7" idx="0"/>
+              <a:endCxn id="6" idx="2"/>
+            </p:cNvCxnSpPr>
+            <p:nvPr/>
+          </p:nvCxnSpPr>
+          <p:spPr>
+            <a:xfrm rot="16200000">
+              <a:off x="7745" y="5701"/>
+              <a:ext cx="1258" cy="2"/>
+            </a:xfrm>
+            <a:prstGeom prst="bentConnector3">
+              <a:avLst>
+                <a:gd name="adj1" fmla="val 50000"/>
+              </a:avLst>
+            </a:prstGeom>
+            <a:ln>
+              <a:headEnd type="arrow"/>
+              <a:tailEnd type="arrow"/>
+            </a:ln>
+          </p:spPr>
+          <p:style>
+            <a:lnRef idx="1">
+              <a:schemeClr val="accent1"/>
+            </a:lnRef>
+            <a:fillRef idx="0">
+              <a:schemeClr val="accent1"/>
+            </a:fillRef>
+            <a:effectRef idx="0">
+              <a:schemeClr val="accent1"/>
+            </a:effectRef>
+            <a:fontRef idx="minor">
+              <a:schemeClr val="tx1"/>
+            </a:fontRef>
+          </p:style>
+        </p:cxnSp>
+        <p:sp>
+          <p:nvSpPr>
+            <p:cNvPr id="11" name="文本框 10"/>
+            <p:cNvSpPr txBox="1"/>
+            <p:nvPr/>
+          </p:nvSpPr>
+          <p:spPr>
+            <a:xfrm>
+              <a:off x="4662" y="3788"/>
+              <a:ext cx="1731" cy="580"/>
+            </a:xfrm>
+            <a:prstGeom prst="rect">
+              <a:avLst/>
+            </a:prstGeom>
+            <a:noFill/>
+          </p:spPr>
+          <p:txBody>
+            <a:bodyPr wrap="square" rtlCol="0">
+              <a:spAutoFit/>
+            </a:bodyPr>
+            <a:p>
+              <a:pPr algn="ctr"/>
+              <a:r>
+                <a:rPr lang="en-US" altLang="zh-CN">
+                  <a:sym typeface="+mn-ea"/>
+                </a:rPr>
+                <a:t>-funcList</a:t>
+              </a:r>
+              <a:endParaRPr lang="zh-CN" altLang="en-US"/>
+            </a:p>
+          </p:txBody>
+        </p:sp>
+        <p:sp>
+          <p:nvSpPr>
+            <p:cNvPr id="13" name="文本框 12"/>
+            <p:cNvSpPr txBox="1"/>
+            <p:nvPr/>
+          </p:nvSpPr>
+          <p:spPr>
+            <a:xfrm>
+              <a:off x="6324" y="2163"/>
+              <a:ext cx="1679" cy="580"/>
+            </a:xfrm>
+            <a:prstGeom prst="rect">
+              <a:avLst/>
+            </a:prstGeom>
+            <a:noFill/>
+          </p:spPr>
+          <p:txBody>
+            <a:bodyPr wrap="square" rtlCol="0">
+              <a:spAutoFit/>
+            </a:bodyPr>
+            <a:p>
+              <a:pPr algn="ctr"/>
+              <a:r>
+                <a:rPr lang="en-US" altLang="zh-CN">
+                  <a:sym typeface="+mn-ea"/>
+                </a:rPr>
+                <a:t>-nest</a:t>
+              </a:r>
+              <a:endParaRPr lang="zh-CN" altLang="en-US"/>
+            </a:p>
+          </p:txBody>
+        </p:sp>
+        <p:sp>
+          <p:nvSpPr>
+            <p:cNvPr id="15" name="文本框 14"/>
+            <p:cNvSpPr txBox="1"/>
+            <p:nvPr/>
+          </p:nvSpPr>
+          <p:spPr>
+            <a:xfrm>
+              <a:off x="6837" y="5073"/>
+              <a:ext cx="1679" cy="580"/>
+            </a:xfrm>
+            <a:prstGeom prst="rect">
+              <a:avLst/>
+            </a:prstGeom>
+            <a:noFill/>
+          </p:spPr>
+          <p:txBody>
+            <a:bodyPr wrap="square" rtlCol="0">
+              <a:spAutoFit/>
+            </a:bodyPr>
+            <a:p>
+              <a:pPr algn="ctr"/>
+              <a:r>
+                <a:rPr lang="en-US" altLang="zh-CN">
+                  <a:sym typeface="+mn-ea"/>
+                </a:rPr>
+                <a:t>-varList</a:t>
+              </a:r>
+              <a:endParaRPr lang="zh-CN" altLang="en-US"/>
+            </a:p>
+          </p:txBody>
+        </p:sp>
+        <p:sp>
+          <p:nvSpPr>
+            <p:cNvPr id="19" name="文本框 18"/>
+            <p:cNvSpPr txBox="1"/>
+            <p:nvPr/>
+          </p:nvSpPr>
+          <p:spPr>
+            <a:xfrm>
+              <a:off x="3236" y="4948"/>
+              <a:ext cx="2057" cy="1012"/>
+            </a:xfrm>
+            <a:prstGeom prst="rect">
+              <a:avLst/>
+            </a:prstGeom>
+            <a:noFill/>
+          </p:spPr>
+          <p:txBody>
+            <a:bodyPr wrap="square" rtlCol="0">
+              <a:spAutoFit/>
+            </a:bodyPr>
+            <a:p>
+              <a:pPr algn="l"/>
+              <a:r>
+                <a:rPr lang="en-US" altLang="zh-CN">
+                  <a:sym typeface="+mn-ea"/>
+                </a:rPr>
+                <a:t>-funcScope -nestIn </a:t>
+              </a:r>
+              <a:endParaRPr lang="zh-CN" altLang="en-US"/>
+            </a:p>
+          </p:txBody>
+        </p:sp>
+        <p:cxnSp>
+          <p:nvCxnSpPr>
+            <p:cNvPr id="21" name="肘形连接符 20"/>
+            <p:cNvCxnSpPr>
+              <a:stCxn id="8" idx="0"/>
+              <a:endCxn id="6" idx="1"/>
+            </p:cNvCxnSpPr>
+            <p:nvPr/>
+          </p:nvCxnSpPr>
+          <p:spPr>
+            <a:xfrm rot="16200000">
+              <a:off x="3839" y="3345"/>
+              <a:ext cx="2142" cy="3189"/>
+            </a:xfrm>
+            <a:prstGeom prst="bentConnector2">
+              <a:avLst/>
+            </a:prstGeom>
+            <a:ln>
+              <a:headEnd type="arrow"/>
+              <a:tailEnd type="arrow"/>
+            </a:ln>
+          </p:spPr>
+          <p:style>
+            <a:lnRef idx="1">
+              <a:schemeClr val="accent1"/>
+            </a:lnRef>
+            <a:fillRef idx="0">
+              <a:schemeClr val="accent1"/>
+            </a:fillRef>
+            <a:effectRef idx="0">
+              <a:schemeClr val="accent1"/>
+            </a:effectRef>
+            <a:fontRef idx="minor">
+              <a:schemeClr val="tx1"/>
+            </a:fontRef>
+          </p:style>
+        </p:cxnSp>
+        <p:sp>
+          <p:nvSpPr>
+            <p:cNvPr id="24" name="文本框 23"/>
+            <p:cNvSpPr txBox="1"/>
+            <p:nvPr/>
+          </p:nvSpPr>
+          <p:spPr>
+            <a:xfrm>
+              <a:off x="4853" y="6876"/>
+              <a:ext cx="1731" cy="580"/>
+            </a:xfrm>
+            <a:prstGeom prst="rect">
+              <a:avLst/>
+            </a:prstGeom>
+            <a:noFill/>
+          </p:spPr>
+          <p:txBody>
+            <a:bodyPr wrap="square" rtlCol="0">
+              <a:spAutoFit/>
+            </a:bodyPr>
+            <a:p>
+              <a:pPr algn="ctr"/>
+              <a:r>
+                <a:rPr lang="en-US" altLang="zh-CN">
+                  <a:sym typeface="+mn-ea"/>
+                </a:rPr>
+                <a:t>-argList</a:t>
+              </a:r>
+              <a:endParaRPr lang="zh-CN" altLang="en-US"/>
+            </a:p>
+          </p:txBody>
+        </p:sp>
+        <p:sp>
+          <p:nvSpPr>
+            <p:cNvPr id="25" name="文本框 24"/>
+            <p:cNvSpPr txBox="1"/>
+            <p:nvPr/>
+          </p:nvSpPr>
+          <p:spPr>
+            <a:xfrm>
+              <a:off x="8173" y="5751"/>
+              <a:ext cx="1679" cy="580"/>
+            </a:xfrm>
+            <a:prstGeom prst="rect">
+              <a:avLst/>
+            </a:prstGeom>
+            <a:noFill/>
+          </p:spPr>
+          <p:txBody>
+            <a:bodyPr wrap="square" rtlCol="0">
+              <a:spAutoFit/>
+            </a:bodyPr>
+            <a:p>
+              <a:pPr algn="ctr"/>
+              <a:r>
+                <a:rPr lang="en-US" altLang="zh-CN">
+                  <a:sym typeface="+mn-ea"/>
+                </a:rPr>
+                <a:t>-scope</a:t>
+              </a:r>
+              <a:endParaRPr lang="zh-CN" altLang="en-US"/>
+            </a:p>
+          </p:txBody>
+        </p:sp>
+        <p:sp>
+          <p:nvSpPr>
+            <p:cNvPr id="26" name="文本框 25"/>
+            <p:cNvSpPr txBox="1"/>
+            <p:nvPr/>
+          </p:nvSpPr>
+          <p:spPr>
+            <a:xfrm>
+              <a:off x="9466" y="6875"/>
+              <a:ext cx="1679" cy="580"/>
+            </a:xfrm>
+            <a:prstGeom prst="rect">
+              <a:avLst/>
+            </a:prstGeom>
+            <a:noFill/>
+          </p:spPr>
+          <p:txBody>
+            <a:bodyPr wrap="square" rtlCol="0">
+              <a:spAutoFit/>
+            </a:bodyPr>
+            <a:p>
+              <a:pPr algn="ctr"/>
+              <a:r>
+                <a:rPr lang="en-US" altLang="zh-CN">
+                  <a:sym typeface="+mn-ea"/>
+                </a:rPr>
+                <a:t>-type</a:t>
+              </a:r>
+              <a:endParaRPr lang="zh-CN" altLang="en-US"/>
+            </a:p>
+          </p:txBody>
+        </p:sp>
+        <p:sp>
+          <p:nvSpPr>
+            <p:cNvPr id="27" name="文本框 26"/>
+            <p:cNvSpPr txBox="1"/>
+            <p:nvPr/>
+          </p:nvSpPr>
+          <p:spPr>
+            <a:xfrm>
+              <a:off x="14261" y="8018"/>
+              <a:ext cx="2020" cy="1012"/>
+            </a:xfrm>
+            <a:prstGeom prst="rect">
+              <a:avLst/>
+            </a:prstGeom>
+            <a:noFill/>
+          </p:spPr>
+          <p:txBody>
+            <a:bodyPr wrap="square" rtlCol="0">
+              <a:spAutoFit/>
+            </a:bodyPr>
+            <a:p>
+              <a:pPr algn="ctr"/>
+              <a:r>
+                <a:rPr lang="en-US" altLang="zh-CN">
+                  <a:sym typeface="+mn-ea"/>
+                </a:rPr>
+                <a:t>-baseInfo</a:t>
+              </a:r>
+              <a:endParaRPr lang="en-US" altLang="zh-CN"/>
+            </a:p>
+            <a:p>
+              <a:pPr algn="ctr"/>
+              <a:r>
+                <a:rPr lang="en-US" altLang="zh-CN">
+                  <a:sym typeface="+mn-ea"/>
+                </a:rPr>
+                <a:t>-friendInfo</a:t>
+              </a:r>
+              <a:endParaRPr lang="zh-CN" altLang="en-US"/>
+            </a:p>
+          </p:txBody>
+        </p:sp>
+        <p:sp>
+          <p:nvSpPr>
+            <p:cNvPr id="28" name="文本框 27"/>
+            <p:cNvSpPr txBox="1"/>
+            <p:nvPr/>
+          </p:nvSpPr>
+          <p:spPr>
+            <a:xfrm>
+              <a:off x="10724" y="4759"/>
+              <a:ext cx="2057" cy="1012"/>
+            </a:xfrm>
+            <a:prstGeom prst="rect">
+              <a:avLst/>
+            </a:prstGeom>
+            <a:noFill/>
+          </p:spPr>
+          <p:txBody>
+            <a:bodyPr wrap="square" rtlCol="0">
+              <a:spAutoFit/>
+            </a:bodyPr>
+            <a:p>
+              <a:pPr algn="r"/>
+              <a:r>
+                <a:rPr lang="en-US" altLang="zh-CN">
+                  <a:sym typeface="+mn-ea"/>
+                </a:rPr>
+                <a:t>-funcScope -nestIn </a:t>
+              </a:r>
+              <a:endParaRPr lang="zh-CN" altLang="en-US"/>
+            </a:p>
+          </p:txBody>
+        </p:sp>
+      </p:grpSp>
     </p:spTree>
   </p:cSld>
   <p:clrMapOvr>

--- a/样例测试结果_2.pptx
+++ b/样例测试结果_2.pptx
@@ -18,6 +18,10 @@
     <p:sldId id="276" r:id="rId13"/>
     <p:sldId id="275" r:id="rId14"/>
     <p:sldId id="277" r:id="rId15"/>
+    <p:sldId id="282" r:id="rId16"/>
+    <p:sldId id="283" r:id="rId17"/>
+    <p:sldId id="284" r:id="rId18"/>
+    <p:sldId id="285" r:id="rId19"/>
   </p:sldIdLst>
   <p:sldSz cx="12192000" cy="6858000"/>
   <p:notesSz cx="6858000" cy="9144000"/>
@@ -7439,6 +7443,261 @@
           </a:fontRef>
         </p:style>
       </p:cxnSp>
+      <p:sp>
+        <p:nvSpPr>
+          <p:cNvPr id="5" name="文本框 4"/>
+          <p:cNvSpPr txBox="1"/>
+          <p:nvPr/>
+        </p:nvSpPr>
+        <p:spPr>
+          <a:xfrm>
+            <a:off x="5967095" y="3710305"/>
+            <a:ext cx="542925" cy="368300"/>
+          </a:xfrm>
+          <a:prstGeom prst="rect">
+            <a:avLst/>
+          </a:prstGeom>
+          <a:noFill/>
+        </p:spPr>
+        <p:txBody>
+          <a:bodyPr wrap="square" rtlCol="0">
+            <a:spAutoFit/>
+          </a:bodyPr>
+          <a:p>
+            <a:r>
+              <a:rPr lang="en-US" altLang="zh-CN">
+                <a:solidFill>
+                  <a:schemeClr val="accent1">
+                    <a:lumMod val="60000"/>
+                    <a:lumOff val="40000"/>
+                  </a:schemeClr>
+                </a:solidFill>
+              </a:rPr>
+              <a:t>link</a:t>
+            </a:r>
+            <a:endParaRPr lang="en-US" altLang="zh-CN">
+              <a:solidFill>
+                <a:schemeClr val="accent1">
+                  <a:lumMod val="60000"/>
+                  <a:lumOff val="40000"/>
+                </a:schemeClr>
+              </a:solidFill>
+            </a:endParaRPr>
+          </a:p>
+        </p:txBody>
+      </p:sp>
+      <p:sp>
+        <p:nvSpPr>
+          <p:cNvPr id="6" name="文本框 5"/>
+          <p:cNvSpPr txBox="1"/>
+          <p:nvPr/>
+        </p:nvSpPr>
+        <p:spPr>
+          <a:xfrm>
+            <a:off x="7505065" y="2018665"/>
+            <a:ext cx="542925" cy="368300"/>
+          </a:xfrm>
+          <a:prstGeom prst="rect">
+            <a:avLst/>
+          </a:prstGeom>
+          <a:noFill/>
+        </p:spPr>
+        <p:txBody>
+          <a:bodyPr wrap="square" rtlCol="0">
+            <a:spAutoFit/>
+          </a:bodyPr>
+          <a:p>
+            <a:r>
+              <a:rPr lang="en-US" altLang="zh-CN">
+                <a:solidFill>
+                  <a:schemeClr val="accent1">
+                    <a:lumMod val="60000"/>
+                    <a:lumOff val="40000"/>
+                  </a:schemeClr>
+                </a:solidFill>
+              </a:rPr>
+              <a:t>link</a:t>
+            </a:r>
+            <a:endParaRPr lang="en-US" altLang="zh-CN">
+              <a:solidFill>
+                <a:schemeClr val="accent1">
+                  <a:lumMod val="60000"/>
+                  <a:lumOff val="40000"/>
+                </a:schemeClr>
+              </a:solidFill>
+            </a:endParaRPr>
+          </a:p>
+        </p:txBody>
+      </p:sp>
+      <p:sp>
+        <p:nvSpPr>
+          <p:cNvPr id="8" name="文本框 7"/>
+          <p:cNvSpPr txBox="1"/>
+          <p:nvPr/>
+        </p:nvSpPr>
+        <p:spPr>
+          <a:xfrm>
+            <a:off x="9338945" y="2814320"/>
+            <a:ext cx="542925" cy="368300"/>
+          </a:xfrm>
+          <a:prstGeom prst="rect">
+            <a:avLst/>
+          </a:prstGeom>
+          <a:noFill/>
+        </p:spPr>
+        <p:txBody>
+          <a:bodyPr wrap="square" rtlCol="0">
+            <a:spAutoFit/>
+          </a:bodyPr>
+          <a:p>
+            <a:r>
+              <a:rPr lang="en-US" altLang="zh-CN">
+                <a:solidFill>
+                  <a:schemeClr val="accent1">
+                    <a:lumMod val="60000"/>
+                    <a:lumOff val="40000"/>
+                  </a:schemeClr>
+                </a:solidFill>
+              </a:rPr>
+              <a:t>link</a:t>
+            </a:r>
+            <a:endParaRPr lang="en-US" altLang="zh-CN">
+              <a:solidFill>
+                <a:schemeClr val="accent1">
+                  <a:lumMod val="60000"/>
+                  <a:lumOff val="40000"/>
+                </a:schemeClr>
+              </a:solidFill>
+            </a:endParaRPr>
+          </a:p>
+        </p:txBody>
+      </p:sp>
+      <p:sp>
+        <p:nvSpPr>
+          <p:cNvPr id="9" name="文本框 8"/>
+          <p:cNvSpPr txBox="1"/>
+          <p:nvPr/>
+        </p:nvSpPr>
+        <p:spPr>
+          <a:xfrm>
+            <a:off x="7703820" y="4185285"/>
+            <a:ext cx="1060450" cy="368300"/>
+          </a:xfrm>
+          <a:prstGeom prst="rect">
+            <a:avLst/>
+          </a:prstGeom>
+          <a:noFill/>
+        </p:spPr>
+        <p:txBody>
+          <a:bodyPr wrap="square" rtlCol="0">
+            <a:spAutoFit/>
+          </a:bodyPr>
+          <a:p>
+            <a:r>
+              <a:rPr lang="en-US" altLang="zh-CN">
+                <a:solidFill>
+                  <a:schemeClr val="accent1">
+                    <a:lumMod val="60000"/>
+                    <a:lumOff val="40000"/>
+                  </a:schemeClr>
+                </a:solidFill>
+              </a:rPr>
+              <a:t>AST Opt</a:t>
+            </a:r>
+            <a:endParaRPr lang="en-US" altLang="zh-CN">
+              <a:solidFill>
+                <a:schemeClr val="accent1">
+                  <a:lumMod val="60000"/>
+                  <a:lumOff val="40000"/>
+                </a:schemeClr>
+              </a:solidFill>
+            </a:endParaRPr>
+          </a:p>
+        </p:txBody>
+      </p:sp>
+      <p:sp>
+        <p:nvSpPr>
+          <p:cNvPr id="14" name="矩形 13"/>
+          <p:cNvSpPr/>
+          <p:nvPr/>
+        </p:nvSpPr>
+        <p:spPr>
+          <a:xfrm>
+            <a:off x="7503160" y="3134360"/>
+            <a:ext cx="578485" cy="340360"/>
+          </a:xfrm>
+          <a:prstGeom prst="rect">
+            <a:avLst/>
+          </a:prstGeom>
+          <a:noFill/>
+        </p:spPr>
+        <p:style>
+          <a:lnRef idx="2">
+            <a:schemeClr val="accent1">
+              <a:shade val="50000"/>
+            </a:schemeClr>
+          </a:lnRef>
+          <a:fillRef idx="1">
+            <a:schemeClr val="accent1"/>
+          </a:fillRef>
+          <a:effectRef idx="0">
+            <a:schemeClr val="accent1"/>
+          </a:effectRef>
+          <a:fontRef idx="minor">
+            <a:schemeClr val="lt1"/>
+          </a:fontRef>
+        </p:style>
+        <p:txBody>
+          <a:bodyPr rtlCol="0" anchor="ctr"/>
+          <a:p>
+            <a:pPr algn="ctr"/>
+            <a:endParaRPr lang="zh-CN" altLang="en-US"/>
+          </a:p>
+        </p:txBody>
+      </p:sp>
+      <p:sp>
+        <p:nvSpPr>
+          <p:cNvPr id="15" name="文本框 14"/>
+          <p:cNvSpPr txBox="1"/>
+          <p:nvPr/>
+        </p:nvSpPr>
+        <p:spPr>
+          <a:xfrm>
+            <a:off x="7294245" y="2766060"/>
+            <a:ext cx="1060450" cy="368300"/>
+          </a:xfrm>
+          <a:prstGeom prst="rect">
+            <a:avLst/>
+          </a:prstGeom>
+          <a:noFill/>
+        </p:spPr>
+        <p:txBody>
+          <a:bodyPr wrap="square" rtlCol="0">
+            <a:spAutoFit/>
+          </a:bodyPr>
+          <a:p>
+            <a:r>
+              <a:rPr lang="en-US" altLang="zh-CN">
+                <a:solidFill>
+                  <a:schemeClr val="accent1">
+                    <a:lumMod val="60000"/>
+                    <a:lumOff val="40000"/>
+                  </a:schemeClr>
+                </a:solidFill>
+              </a:rPr>
+              <a:t>Addition</a:t>
+            </a:r>
+            <a:endParaRPr lang="en-US" altLang="zh-CN">
+              <a:solidFill>
+                <a:schemeClr val="accent1">
+                  <a:lumMod val="60000"/>
+                  <a:lumOff val="40000"/>
+                </a:schemeClr>
+              </a:solidFill>
+            </a:endParaRPr>
+          </a:p>
+        </p:txBody>
+      </p:sp>
     </p:spTree>
   </p:cSld>
   <p:clrMapOvr>
@@ -8585,6 +8844,2884 @@
 </p:sld>
 </file>
 
+<file path=ppt/slides/slide14.xml><?xml version="1.0" encoding="utf-8"?>
+<p:sld xmlns:a="http://schemas.openxmlformats.org/drawingml/2006/main" xmlns:r="http://schemas.openxmlformats.org/officeDocument/2006/relationships" xmlns:p="http://schemas.openxmlformats.org/presentationml/2006/main">
+  <p:cSld>
+    <p:spTree>
+      <p:nvGrpSpPr>
+        <p:cNvPr id="1" name=""/>
+        <p:cNvGrpSpPr/>
+        <p:nvPr/>
+      </p:nvGrpSpPr>
+      <p:grpSpPr/>
+      <p:sp>
+        <p:nvSpPr>
+          <p:cNvPr id="2" name="标题 1"/>
+          <p:cNvSpPr>
+            <a:spLocks noGrp="1"/>
+          </p:cNvSpPr>
+          <p:nvPr>
+            <p:ph type="title"/>
+          </p:nvPr>
+        </p:nvSpPr>
+        <p:spPr/>
+        <p:txBody>
+          <a:bodyPr/>
+          <a:p>
+            <a:r>
+              <a:rPr lang="en-US" altLang="zh-CN">
+                <a:sym typeface="+mn-ea"/>
+              </a:rPr>
+              <a:t>SymbolDB</a:t>
+            </a:r>
+            <a:r>
+              <a:rPr lang="zh-CN" altLang="en-US">
+                <a:sym typeface="+mn-ea"/>
+              </a:rPr>
+              <a:t>模块</a:t>
+            </a:r>
+            <a:endParaRPr lang="zh-CN" altLang="en-US"/>
+          </a:p>
+        </p:txBody>
+      </p:sp>
+      <p:sp>
+        <p:nvSpPr>
+          <p:cNvPr id="5" name="文本框 4"/>
+          <p:cNvSpPr txBox="1"/>
+          <p:nvPr/>
+        </p:nvSpPr>
+        <p:spPr>
+          <a:xfrm>
+            <a:off x="4795520" y="1965325"/>
+            <a:ext cx="2177415" cy="460375"/>
+          </a:xfrm>
+          <a:prstGeom prst="rect">
+            <a:avLst/>
+          </a:prstGeom>
+          <a:noFill/>
+        </p:spPr>
+        <p:txBody>
+          <a:bodyPr wrap="square" rtlCol="0">
+            <a:spAutoFit/>
+          </a:bodyPr>
+          <a:p>
+            <a:r>
+              <a:rPr lang="en-US" altLang="zh-CN" sz="2400"/>
+              <a:t>functionList</a:t>
+            </a:r>
+            <a:endParaRPr lang="en-US" altLang="zh-CN" sz="2400"/>
+          </a:p>
+        </p:txBody>
+      </p:sp>
+      <p:sp>
+        <p:nvSpPr>
+          <p:cNvPr id="6" name="文本框 5"/>
+          <p:cNvSpPr txBox="1"/>
+          <p:nvPr/>
+        </p:nvSpPr>
+        <p:spPr>
+          <a:xfrm>
+            <a:off x="8860790" y="1965325"/>
+            <a:ext cx="2177415" cy="460375"/>
+          </a:xfrm>
+          <a:prstGeom prst="rect">
+            <a:avLst/>
+          </a:prstGeom>
+          <a:noFill/>
+        </p:spPr>
+        <p:txBody>
+          <a:bodyPr wrap="square" rtlCol="0">
+            <a:spAutoFit/>
+          </a:bodyPr>
+          <a:p>
+            <a:r>
+              <a:rPr lang="en-US" altLang="zh-CN" sz="2400"/>
+              <a:t>varList</a:t>
+            </a:r>
+            <a:endParaRPr lang="en-US" altLang="zh-CN" sz="2400"/>
+          </a:p>
+        </p:txBody>
+      </p:sp>
+      <p:sp>
+        <p:nvSpPr>
+          <p:cNvPr id="7" name="文本框 6"/>
+          <p:cNvSpPr txBox="1"/>
+          <p:nvPr/>
+        </p:nvSpPr>
+        <p:spPr>
+          <a:xfrm>
+            <a:off x="1615440" y="1965325"/>
+            <a:ext cx="2177415" cy="460375"/>
+          </a:xfrm>
+          <a:prstGeom prst="rect">
+            <a:avLst/>
+          </a:prstGeom>
+          <a:noFill/>
+        </p:spPr>
+        <p:txBody>
+          <a:bodyPr wrap="square" rtlCol="0">
+            <a:spAutoFit/>
+          </a:bodyPr>
+          <a:p>
+            <a:r>
+              <a:rPr lang="en-US" altLang="zh-CN" sz="2400"/>
+              <a:t>scopes</a:t>
+            </a:r>
+            <a:endParaRPr lang="en-US" altLang="zh-CN" sz="2400"/>
+          </a:p>
+        </p:txBody>
+      </p:sp>
+      <p:sp>
+        <p:nvSpPr>
+          <p:cNvPr id="9" name="圆角矩形 8"/>
+          <p:cNvSpPr/>
+          <p:nvPr/>
+        </p:nvSpPr>
+        <p:spPr>
+          <a:xfrm>
+            <a:off x="831215" y="3549650"/>
+            <a:ext cx="1147445" cy="1211580"/>
+          </a:xfrm>
+          <a:prstGeom prst="roundRect">
+            <a:avLst/>
+          </a:prstGeom>
+        </p:spPr>
+        <p:style>
+          <a:lnRef idx="2">
+            <a:schemeClr val="accent1">
+              <a:shade val="50000"/>
+            </a:schemeClr>
+          </a:lnRef>
+          <a:fillRef idx="1">
+            <a:schemeClr val="accent1"/>
+          </a:fillRef>
+          <a:effectRef idx="0">
+            <a:schemeClr val="accent1"/>
+          </a:effectRef>
+          <a:fontRef idx="minor">
+            <a:schemeClr val="lt1"/>
+          </a:fontRef>
+        </p:style>
+        <p:txBody>
+          <a:bodyPr rtlCol="0" anchor="ctr"/>
+          <a:p>
+            <a:pPr algn="ctr"/>
+            <a:r>
+              <a:rPr lang="en-US" altLang="zh-CN"/>
+              <a:t>Global</a:t>
+            </a:r>
+            <a:endParaRPr lang="en-US" altLang="zh-CN"/>
+          </a:p>
+        </p:txBody>
+      </p:sp>
+      <p:sp>
+        <p:nvSpPr>
+          <p:cNvPr id="10" name="圆角矩形 9"/>
+          <p:cNvSpPr/>
+          <p:nvPr/>
+        </p:nvSpPr>
+        <p:spPr>
+          <a:xfrm>
+            <a:off x="2479040" y="3545205"/>
+            <a:ext cx="1147445" cy="1211580"/>
+          </a:xfrm>
+          <a:prstGeom prst="roundRect">
+            <a:avLst/>
+          </a:prstGeom>
+        </p:spPr>
+        <p:style>
+          <a:lnRef idx="2">
+            <a:schemeClr val="accent1">
+              <a:shade val="50000"/>
+            </a:schemeClr>
+          </a:lnRef>
+          <a:fillRef idx="1">
+            <a:schemeClr val="accent1"/>
+          </a:fillRef>
+          <a:effectRef idx="0">
+            <a:schemeClr val="accent1"/>
+          </a:effectRef>
+          <a:fontRef idx="minor">
+            <a:schemeClr val="lt1"/>
+          </a:fontRef>
+        </p:style>
+        <p:txBody>
+          <a:bodyPr rtlCol="0" anchor="ctr"/>
+          <a:p>
+            <a:pPr algn="ctr"/>
+            <a:r>
+              <a:rPr lang="en-US" altLang="zh-CN"/>
+              <a:t>main{}</a:t>
+            </a:r>
+            <a:endParaRPr lang="en-US" altLang="zh-CN"/>
+          </a:p>
+        </p:txBody>
+      </p:sp>
+      <p:sp>
+        <p:nvSpPr>
+          <p:cNvPr id="11" name="圆角矩形 10"/>
+          <p:cNvSpPr/>
+          <p:nvPr/>
+        </p:nvSpPr>
+        <p:spPr>
+          <a:xfrm>
+            <a:off x="5085080" y="3549650"/>
+            <a:ext cx="1147445" cy="1211580"/>
+          </a:xfrm>
+          <a:prstGeom prst="roundRect">
+            <a:avLst/>
+          </a:prstGeom>
+        </p:spPr>
+        <p:style>
+          <a:lnRef idx="2">
+            <a:schemeClr val="accent1">
+              <a:shade val="50000"/>
+            </a:schemeClr>
+          </a:lnRef>
+          <a:fillRef idx="1">
+            <a:schemeClr val="accent1"/>
+          </a:fillRef>
+          <a:effectRef idx="0">
+            <a:schemeClr val="accent1"/>
+          </a:effectRef>
+          <a:fontRef idx="minor">
+            <a:schemeClr val="lt1"/>
+          </a:fontRef>
+        </p:style>
+        <p:txBody>
+          <a:bodyPr rtlCol="0" anchor="ctr"/>
+          <a:p>
+            <a:pPr algn="ctr"/>
+            <a:r>
+              <a:rPr lang="en-US" altLang="zh-CN"/>
+              <a:t>int main()</a:t>
+            </a:r>
+            <a:endParaRPr lang="en-US" altLang="zh-CN"/>
+          </a:p>
+        </p:txBody>
+      </p:sp>
+      <p:sp>
+        <p:nvSpPr>
+          <p:cNvPr id="12" name="圆角矩形 11"/>
+          <p:cNvSpPr/>
+          <p:nvPr/>
+        </p:nvSpPr>
+        <p:spPr>
+          <a:xfrm>
+            <a:off x="8072755" y="3545205"/>
+            <a:ext cx="1147445" cy="1211580"/>
+          </a:xfrm>
+          <a:prstGeom prst="roundRect">
+            <a:avLst/>
+          </a:prstGeom>
+        </p:spPr>
+        <p:style>
+          <a:lnRef idx="2">
+            <a:schemeClr val="accent1">
+              <a:shade val="50000"/>
+            </a:schemeClr>
+          </a:lnRef>
+          <a:fillRef idx="1">
+            <a:schemeClr val="accent1"/>
+          </a:fillRef>
+          <a:effectRef idx="0">
+            <a:schemeClr val="accent1"/>
+          </a:effectRef>
+          <a:fontRef idx="minor">
+            <a:schemeClr val="lt1"/>
+          </a:fontRef>
+        </p:style>
+        <p:txBody>
+          <a:bodyPr rtlCol="0" anchor="ctr"/>
+          <a:p>
+            <a:pPr algn="ctr"/>
+            <a:r>
+              <a:rPr lang="en-US" altLang="zh-CN"/>
+              <a:t>int* p1</a:t>
+            </a:r>
+            <a:endParaRPr lang="en-US" altLang="zh-CN"/>
+          </a:p>
+        </p:txBody>
+      </p:sp>
+      <p:sp>
+        <p:nvSpPr>
+          <p:cNvPr id="13" name="圆角矩形 12"/>
+          <p:cNvSpPr/>
+          <p:nvPr/>
+        </p:nvSpPr>
+        <p:spPr>
+          <a:xfrm>
+            <a:off x="9573895" y="3549650"/>
+            <a:ext cx="1147445" cy="1211580"/>
+          </a:xfrm>
+          <a:prstGeom prst="roundRect">
+            <a:avLst/>
+          </a:prstGeom>
+        </p:spPr>
+        <p:style>
+          <a:lnRef idx="2">
+            <a:schemeClr val="accent1">
+              <a:shade val="50000"/>
+            </a:schemeClr>
+          </a:lnRef>
+          <a:fillRef idx="1">
+            <a:schemeClr val="accent1"/>
+          </a:fillRef>
+          <a:effectRef idx="0">
+            <a:schemeClr val="accent1"/>
+          </a:effectRef>
+          <a:fontRef idx="minor">
+            <a:schemeClr val="lt1"/>
+          </a:fontRef>
+        </p:style>
+        <p:txBody>
+          <a:bodyPr rtlCol="0" anchor="ctr"/>
+          <a:p>
+            <a:pPr algn="ctr"/>
+            <a:r>
+              <a:rPr lang="en-US" altLang="zh-CN">
+                <a:sym typeface="+mn-ea"/>
+              </a:rPr>
+              <a:t>int* p2</a:t>
+            </a:r>
+            <a:endParaRPr lang="en-US" altLang="zh-CN"/>
+          </a:p>
+        </p:txBody>
+      </p:sp>
+      <p:cxnSp>
+        <p:nvCxnSpPr>
+          <p:cNvPr id="15" name="直接箭头连接符 14"/>
+          <p:cNvCxnSpPr>
+            <a:stCxn id="9" idx="3"/>
+            <a:endCxn id="10" idx="1"/>
+          </p:cNvCxnSpPr>
+          <p:nvPr/>
+        </p:nvCxnSpPr>
+        <p:spPr>
+          <a:xfrm flipV="1">
+            <a:off x="1978660" y="4150995"/>
+            <a:ext cx="500380" cy="4445"/>
+          </a:xfrm>
+          <a:prstGeom prst="straightConnector1">
+            <a:avLst/>
+          </a:prstGeom>
+          <a:ln>
+            <a:headEnd type="arrow" w="med" len="med"/>
+            <a:tailEnd type="arrow" w="med" len="med"/>
+          </a:ln>
+        </p:spPr>
+        <p:style>
+          <a:lnRef idx="1">
+            <a:schemeClr val="accent3"/>
+          </a:lnRef>
+          <a:fillRef idx="0">
+            <a:schemeClr val="accent3"/>
+          </a:fillRef>
+          <a:effectRef idx="0">
+            <a:schemeClr val="accent3"/>
+          </a:effectRef>
+          <a:fontRef idx="minor">
+            <a:schemeClr val="tx1"/>
+          </a:fontRef>
+        </p:style>
+      </p:cxnSp>
+      <p:cxnSp>
+        <p:nvCxnSpPr>
+          <p:cNvPr id="18" name="肘形连接符 17"/>
+          <p:cNvCxnSpPr>
+            <a:stCxn id="10" idx="2"/>
+            <a:endCxn id="12" idx="2"/>
+          </p:cNvCxnSpPr>
+          <p:nvPr/>
+        </p:nvCxnSpPr>
+        <p:spPr>
+          <a:xfrm rot="5400000" flipV="1">
+            <a:off x="5849938" y="1959928"/>
+            <a:ext cx="3175" cy="5593715"/>
+          </a:xfrm>
+          <a:prstGeom prst="bentConnector3">
+            <a:avLst>
+              <a:gd name="adj1" fmla="val 7540000"/>
+            </a:avLst>
+          </a:prstGeom>
+          <a:ln>
+            <a:tailEnd type="arrow" w="med" len="med"/>
+          </a:ln>
+        </p:spPr>
+        <p:style>
+          <a:lnRef idx="1">
+            <a:schemeClr val="accent5"/>
+          </a:lnRef>
+          <a:fillRef idx="0">
+            <a:schemeClr val="accent5"/>
+          </a:fillRef>
+          <a:effectRef idx="0">
+            <a:schemeClr val="accent5"/>
+          </a:effectRef>
+          <a:fontRef idx="minor">
+            <a:schemeClr val="tx1"/>
+          </a:fontRef>
+        </p:style>
+      </p:cxnSp>
+      <p:cxnSp>
+        <p:nvCxnSpPr>
+          <p:cNvPr id="19" name="肘形连接符 18"/>
+          <p:cNvCxnSpPr>
+            <a:stCxn id="10" idx="2"/>
+            <a:endCxn id="13" idx="2"/>
+          </p:cNvCxnSpPr>
+          <p:nvPr/>
+        </p:nvCxnSpPr>
+        <p:spPr>
+          <a:xfrm rot="5400000" flipV="1">
+            <a:off x="6598285" y="1211580"/>
+            <a:ext cx="4445" cy="7094855"/>
+          </a:xfrm>
+          <a:prstGeom prst="bentConnector3">
+            <a:avLst>
+              <a:gd name="adj1" fmla="val 5457143"/>
+            </a:avLst>
+          </a:prstGeom>
+          <a:ln>
+            <a:tailEnd type="arrow" w="med" len="med"/>
+          </a:ln>
+        </p:spPr>
+        <p:style>
+          <a:lnRef idx="1">
+            <a:schemeClr val="accent5"/>
+          </a:lnRef>
+          <a:fillRef idx="0">
+            <a:schemeClr val="accent5"/>
+          </a:fillRef>
+          <a:effectRef idx="0">
+            <a:schemeClr val="accent5"/>
+          </a:effectRef>
+          <a:fontRef idx="minor">
+            <a:schemeClr val="tx1"/>
+          </a:fontRef>
+        </p:style>
+      </p:cxnSp>
+      <p:cxnSp>
+        <p:nvCxnSpPr>
+          <p:cNvPr id="20" name="肘形连接符 19"/>
+          <p:cNvCxnSpPr>
+            <a:stCxn id="9" idx="2"/>
+            <a:endCxn id="11" idx="2"/>
+          </p:cNvCxnSpPr>
+          <p:nvPr/>
+        </p:nvCxnSpPr>
+        <p:spPr>
+          <a:xfrm rot="5400000" flipV="1">
+            <a:off x="3531870" y="2633980"/>
+            <a:ext cx="3175" cy="4253865"/>
+          </a:xfrm>
+          <a:prstGeom prst="bentConnector3">
+            <a:avLst>
+              <a:gd name="adj1" fmla="val 16680000"/>
+            </a:avLst>
+          </a:prstGeom>
+          <a:ln>
+            <a:tailEnd type="arrow"/>
+          </a:ln>
+        </p:spPr>
+        <p:style>
+          <a:lnRef idx="1">
+            <a:schemeClr val="accent1"/>
+          </a:lnRef>
+          <a:fillRef idx="0">
+            <a:schemeClr val="accent1"/>
+          </a:fillRef>
+          <a:effectRef idx="0">
+            <a:schemeClr val="accent1"/>
+          </a:effectRef>
+          <a:fontRef idx="minor">
+            <a:schemeClr val="tx1"/>
+          </a:fontRef>
+        </p:style>
+      </p:cxnSp>
+      <p:cxnSp>
+        <p:nvCxnSpPr>
+          <p:cNvPr id="21" name="肘形连接符 20"/>
+          <p:cNvCxnSpPr>
+            <a:stCxn id="11" idx="0"/>
+            <a:endCxn id="9" idx="0"/>
+          </p:cNvCxnSpPr>
+          <p:nvPr/>
+        </p:nvCxnSpPr>
+        <p:spPr>
+          <a:xfrm rot="16200000" flipV="1">
+            <a:off x="3531870" y="1423035"/>
+            <a:ext cx="3175" cy="4253865"/>
+          </a:xfrm>
+          <a:prstGeom prst="bentConnector3">
+            <a:avLst>
+              <a:gd name="adj1" fmla="val 7560000"/>
+            </a:avLst>
+          </a:prstGeom>
+          <a:ln>
+            <a:tailEnd type="arrow"/>
+          </a:ln>
+        </p:spPr>
+        <p:style>
+          <a:lnRef idx="1">
+            <a:schemeClr val="accent1"/>
+          </a:lnRef>
+          <a:fillRef idx="0">
+            <a:schemeClr val="accent1"/>
+          </a:fillRef>
+          <a:effectRef idx="0">
+            <a:schemeClr val="accent1"/>
+          </a:effectRef>
+          <a:fontRef idx="minor">
+            <a:schemeClr val="tx1"/>
+          </a:fontRef>
+        </p:style>
+      </p:cxnSp>
+      <p:cxnSp>
+        <p:nvCxnSpPr>
+          <p:cNvPr id="24" name="肘形连接符 23"/>
+          <p:cNvCxnSpPr/>
+          <p:nvPr/>
+        </p:nvCxnSpPr>
+        <p:spPr>
+          <a:xfrm rot="16200000" flipV="1">
+            <a:off x="5849938" y="746443"/>
+            <a:ext cx="3175" cy="5593715"/>
+          </a:xfrm>
+          <a:prstGeom prst="bentConnector3">
+            <a:avLst>
+              <a:gd name="adj1" fmla="val 16690000"/>
+            </a:avLst>
+          </a:prstGeom>
+          <a:ln>
+            <a:tailEnd type="arrow" w="med" len="med"/>
+          </a:ln>
+        </p:spPr>
+        <p:style>
+          <a:lnRef idx="1">
+            <a:schemeClr val="accent5"/>
+          </a:lnRef>
+          <a:fillRef idx="0">
+            <a:schemeClr val="accent5"/>
+          </a:fillRef>
+          <a:effectRef idx="0">
+            <a:schemeClr val="accent5"/>
+          </a:effectRef>
+          <a:fontRef idx="minor">
+            <a:schemeClr val="tx1"/>
+          </a:fontRef>
+        </p:style>
+      </p:cxnSp>
+      <p:cxnSp>
+        <p:nvCxnSpPr>
+          <p:cNvPr id="25" name="肘形连接符 24"/>
+          <p:cNvCxnSpPr/>
+          <p:nvPr/>
+        </p:nvCxnSpPr>
+        <p:spPr>
+          <a:xfrm rot="16200000" flipV="1">
+            <a:off x="6600190" y="6350"/>
+            <a:ext cx="4445" cy="7094855"/>
+          </a:xfrm>
+          <a:prstGeom prst="bentConnector3">
+            <a:avLst>
+              <a:gd name="adj1" fmla="val 12271428"/>
+            </a:avLst>
+          </a:prstGeom>
+          <a:ln>
+            <a:tailEnd type="arrow" w="med" len="med"/>
+          </a:ln>
+        </p:spPr>
+        <p:style>
+          <a:lnRef idx="1">
+            <a:schemeClr val="accent5"/>
+          </a:lnRef>
+          <a:fillRef idx="0">
+            <a:schemeClr val="accent5"/>
+          </a:fillRef>
+          <a:effectRef idx="0">
+            <a:schemeClr val="accent5"/>
+          </a:effectRef>
+          <a:fontRef idx="minor">
+            <a:schemeClr val="tx1"/>
+          </a:fontRef>
+        </p:style>
+      </p:cxnSp>
+      <p:sp>
+        <p:nvSpPr>
+          <p:cNvPr id="26" name="文本框 25"/>
+          <p:cNvSpPr txBox="1"/>
+          <p:nvPr/>
+        </p:nvSpPr>
+        <p:spPr>
+          <a:xfrm>
+            <a:off x="1450975" y="2990215"/>
+            <a:ext cx="875030" cy="368300"/>
+          </a:xfrm>
+          <a:prstGeom prst="rect">
+            <a:avLst/>
+          </a:prstGeom>
+          <a:noFill/>
+        </p:spPr>
+        <p:txBody>
+          <a:bodyPr wrap="square" rtlCol="0">
+            <a:spAutoFit/>
+          </a:bodyPr>
+          <a:p>
+            <a:r>
+              <a:rPr lang="en-US" altLang="zh-CN">
+                <a:solidFill>
+                  <a:schemeClr val="accent1">
+                    <a:lumMod val="60000"/>
+                    <a:lumOff val="40000"/>
+                  </a:schemeClr>
+                </a:solidFill>
+              </a:rPr>
+              <a:t>nested</a:t>
+            </a:r>
+            <a:endParaRPr lang="en-US" altLang="zh-CN">
+              <a:solidFill>
+                <a:schemeClr val="accent1">
+                  <a:lumMod val="60000"/>
+                  <a:lumOff val="40000"/>
+                </a:schemeClr>
+              </a:solidFill>
+            </a:endParaRPr>
+          </a:p>
+        </p:txBody>
+      </p:sp>
+      <p:sp>
+        <p:nvSpPr>
+          <p:cNvPr id="27" name="文本框 26"/>
+          <p:cNvSpPr txBox="1"/>
+          <p:nvPr/>
+        </p:nvSpPr>
+        <p:spPr>
+          <a:xfrm>
+            <a:off x="1925320" y="4115435"/>
+            <a:ext cx="616585" cy="368300"/>
+          </a:xfrm>
+          <a:prstGeom prst="rect">
+            <a:avLst/>
+          </a:prstGeom>
+          <a:noFill/>
+        </p:spPr>
+        <p:txBody>
+          <a:bodyPr wrap="square" rtlCol="0">
+            <a:spAutoFit/>
+          </a:bodyPr>
+          <a:p>
+            <a:r>
+              <a:rPr lang="en-US" altLang="zh-CN">
+                <a:solidFill>
+                  <a:schemeClr val="accent3">
+                    <a:lumMod val="60000"/>
+                    <a:lumOff val="40000"/>
+                  </a:schemeClr>
+                </a:solidFill>
+              </a:rPr>
+              <a:t>nest</a:t>
+            </a:r>
+            <a:endParaRPr lang="en-US" altLang="zh-CN">
+              <a:solidFill>
+                <a:schemeClr val="accent3">
+                  <a:lumMod val="60000"/>
+                  <a:lumOff val="40000"/>
+                </a:schemeClr>
+              </a:solidFill>
+            </a:endParaRPr>
+          </a:p>
+        </p:txBody>
+      </p:sp>
+      <p:sp>
+        <p:nvSpPr>
+          <p:cNvPr id="28" name="文本框 27"/>
+          <p:cNvSpPr txBox="1"/>
+          <p:nvPr/>
+        </p:nvSpPr>
+        <p:spPr>
+          <a:xfrm>
+            <a:off x="3660140" y="3689985"/>
+            <a:ext cx="1505585" cy="368300"/>
+          </a:xfrm>
+          <a:prstGeom prst="rect">
+            <a:avLst/>
+          </a:prstGeom>
+          <a:noFill/>
+        </p:spPr>
+        <p:txBody>
+          <a:bodyPr wrap="square" rtlCol="0">
+            <a:spAutoFit/>
+          </a:bodyPr>
+          <a:p>
+            <a:r>
+              <a:rPr lang="en-US" altLang="zh-CN">
+                <a:solidFill>
+                  <a:schemeClr val="accent1">
+                    <a:lumMod val="60000"/>
+                    <a:lumOff val="40000"/>
+                  </a:schemeClr>
+                </a:solidFill>
+              </a:rPr>
+              <a:t>defineScope</a:t>
+            </a:r>
+            <a:endParaRPr lang="en-US" altLang="zh-CN">
+              <a:solidFill>
+                <a:schemeClr val="accent1">
+                  <a:lumMod val="60000"/>
+                  <a:lumOff val="40000"/>
+                </a:schemeClr>
+              </a:solidFill>
+            </a:endParaRPr>
+          </a:p>
+        </p:txBody>
+      </p:sp>
+      <p:sp>
+        <p:nvSpPr>
+          <p:cNvPr id="29" name="文本框 28"/>
+          <p:cNvSpPr txBox="1"/>
+          <p:nvPr/>
+        </p:nvSpPr>
+        <p:spPr>
+          <a:xfrm>
+            <a:off x="1692275" y="4946650"/>
+            <a:ext cx="1019175" cy="368300"/>
+          </a:xfrm>
+          <a:prstGeom prst="rect">
+            <a:avLst/>
+          </a:prstGeom>
+          <a:noFill/>
+        </p:spPr>
+        <p:txBody>
+          <a:bodyPr wrap="square" rtlCol="0">
+            <a:spAutoFit/>
+          </a:bodyPr>
+          <a:p>
+            <a:r>
+              <a:rPr lang="en-US" altLang="zh-CN">
+                <a:solidFill>
+                  <a:schemeClr val="accent1">
+                    <a:lumMod val="60000"/>
+                    <a:lumOff val="40000"/>
+                  </a:schemeClr>
+                </a:solidFill>
+              </a:rPr>
+              <a:t>funcList</a:t>
+            </a:r>
+            <a:endParaRPr lang="en-US" altLang="zh-CN">
+              <a:solidFill>
+                <a:schemeClr val="accent1">
+                  <a:lumMod val="60000"/>
+                  <a:lumOff val="40000"/>
+                </a:schemeClr>
+              </a:solidFill>
+            </a:endParaRPr>
+          </a:p>
+        </p:txBody>
+      </p:sp>
+      <p:sp>
+        <p:nvSpPr>
+          <p:cNvPr id="30" name="文本框 29"/>
+          <p:cNvSpPr txBox="1"/>
+          <p:nvPr/>
+        </p:nvSpPr>
+        <p:spPr>
+          <a:xfrm>
+            <a:off x="7089775" y="2633980"/>
+            <a:ext cx="1019175" cy="368300"/>
+          </a:xfrm>
+          <a:prstGeom prst="rect">
+            <a:avLst/>
+          </a:prstGeom>
+          <a:noFill/>
+        </p:spPr>
+        <p:txBody>
+          <a:bodyPr wrap="square" rtlCol="0">
+            <a:spAutoFit/>
+          </a:bodyPr>
+          <a:p>
+            <a:r>
+              <a:rPr lang="en-US" altLang="zh-CN">
+                <a:solidFill>
+                  <a:schemeClr val="accent5">
+                    <a:lumMod val="60000"/>
+                    <a:lumOff val="40000"/>
+                  </a:schemeClr>
+                </a:solidFill>
+              </a:rPr>
+              <a:t>scope</a:t>
+            </a:r>
+            <a:endParaRPr lang="en-US" altLang="zh-CN">
+              <a:solidFill>
+                <a:schemeClr val="accent5">
+                  <a:lumMod val="60000"/>
+                  <a:lumOff val="40000"/>
+                </a:schemeClr>
+              </a:solidFill>
+            </a:endParaRPr>
+          </a:p>
+        </p:txBody>
+      </p:sp>
+      <p:sp>
+        <p:nvSpPr>
+          <p:cNvPr id="31" name="文本框 30"/>
+          <p:cNvSpPr txBox="1"/>
+          <p:nvPr/>
+        </p:nvSpPr>
+        <p:spPr>
+          <a:xfrm>
+            <a:off x="4055745" y="4103370"/>
+            <a:ext cx="616585" cy="368300"/>
+          </a:xfrm>
+          <a:prstGeom prst="rect">
+            <a:avLst/>
+          </a:prstGeom>
+          <a:noFill/>
+        </p:spPr>
+        <p:txBody>
+          <a:bodyPr wrap="square" rtlCol="0">
+            <a:spAutoFit/>
+          </a:bodyPr>
+          <a:p>
+            <a:r>
+              <a:rPr lang="en-US" altLang="zh-CN">
+                <a:solidFill>
+                  <a:schemeClr val="accent3">
+                    <a:lumMod val="60000"/>
+                    <a:lumOff val="40000"/>
+                  </a:schemeClr>
+                </a:solidFill>
+              </a:rPr>
+              <a:t>func</a:t>
+            </a:r>
+            <a:endParaRPr lang="en-US" altLang="zh-CN">
+              <a:solidFill>
+                <a:schemeClr val="accent3">
+                  <a:lumMod val="60000"/>
+                  <a:lumOff val="40000"/>
+                </a:schemeClr>
+              </a:solidFill>
+            </a:endParaRPr>
+          </a:p>
+        </p:txBody>
+      </p:sp>
+      <p:cxnSp>
+        <p:nvCxnSpPr>
+          <p:cNvPr id="32" name="直接箭头连接符 31"/>
+          <p:cNvCxnSpPr/>
+          <p:nvPr/>
+        </p:nvCxnSpPr>
+        <p:spPr>
+          <a:xfrm flipH="1">
+            <a:off x="3634105" y="4027805"/>
+            <a:ext cx="1438910" cy="0"/>
+          </a:xfrm>
+          <a:prstGeom prst="straightConnector1">
+            <a:avLst/>
+          </a:prstGeom>
+          <a:ln>
+            <a:tailEnd type="arrow"/>
+          </a:ln>
+        </p:spPr>
+        <p:style>
+          <a:lnRef idx="1">
+            <a:schemeClr val="accent1"/>
+          </a:lnRef>
+          <a:fillRef idx="0">
+            <a:schemeClr val="accent1"/>
+          </a:fillRef>
+          <a:effectRef idx="0">
+            <a:schemeClr val="accent1"/>
+          </a:effectRef>
+          <a:fontRef idx="minor">
+            <a:schemeClr val="tx1"/>
+          </a:fontRef>
+        </p:style>
+      </p:cxnSp>
+      <p:cxnSp>
+        <p:nvCxnSpPr>
+          <p:cNvPr id="33" name="直接箭头连接符 32"/>
+          <p:cNvCxnSpPr>
+            <a:stCxn id="10" idx="3"/>
+            <a:endCxn id="11" idx="1"/>
+          </p:cNvCxnSpPr>
+          <p:nvPr/>
+        </p:nvCxnSpPr>
+        <p:spPr>
+          <a:xfrm>
+            <a:off x="3626485" y="4150995"/>
+            <a:ext cx="1458595" cy="4445"/>
+          </a:xfrm>
+          <a:prstGeom prst="straightConnector1">
+            <a:avLst/>
+          </a:prstGeom>
+          <a:ln>
+            <a:tailEnd type="arrow" w="med" len="med"/>
+          </a:ln>
+        </p:spPr>
+        <p:style>
+          <a:lnRef idx="1">
+            <a:schemeClr val="accent3"/>
+          </a:lnRef>
+          <a:fillRef idx="0">
+            <a:schemeClr val="accent3"/>
+          </a:fillRef>
+          <a:effectRef idx="0">
+            <a:schemeClr val="accent3"/>
+          </a:effectRef>
+          <a:fontRef idx="minor">
+            <a:schemeClr val="tx1"/>
+          </a:fontRef>
+        </p:style>
+      </p:cxnSp>
+      <p:sp>
+        <p:nvSpPr>
+          <p:cNvPr id="34" name="文本框 33"/>
+          <p:cNvSpPr txBox="1"/>
+          <p:nvPr/>
+        </p:nvSpPr>
+        <p:spPr>
+          <a:xfrm>
+            <a:off x="7053580" y="4638675"/>
+            <a:ext cx="1019175" cy="368300"/>
+          </a:xfrm>
+          <a:prstGeom prst="rect">
+            <a:avLst/>
+          </a:prstGeom>
+          <a:noFill/>
+        </p:spPr>
+        <p:txBody>
+          <a:bodyPr wrap="square" rtlCol="0">
+            <a:spAutoFit/>
+          </a:bodyPr>
+          <a:p>
+            <a:r>
+              <a:rPr lang="en-US" altLang="zh-CN">
+                <a:solidFill>
+                  <a:schemeClr val="accent5">
+                    <a:lumMod val="60000"/>
+                    <a:lumOff val="40000"/>
+                  </a:schemeClr>
+                </a:solidFill>
+              </a:rPr>
+              <a:t>varList</a:t>
+            </a:r>
+            <a:endParaRPr lang="en-US" altLang="zh-CN">
+              <a:solidFill>
+                <a:schemeClr val="accent5">
+                  <a:lumMod val="60000"/>
+                  <a:lumOff val="40000"/>
+                </a:schemeClr>
+              </a:solidFill>
+            </a:endParaRPr>
+          </a:p>
+        </p:txBody>
+      </p:sp>
+    </p:spTree>
+  </p:cSld>
+  <p:clrMapOvr>
+    <a:masterClrMapping/>
+  </p:clrMapOvr>
+</p:sld>
+</file>
+
+<file path=ppt/slides/slide15.xml><?xml version="1.0" encoding="utf-8"?>
+<p:sld xmlns:a="http://schemas.openxmlformats.org/drawingml/2006/main" xmlns:r="http://schemas.openxmlformats.org/officeDocument/2006/relationships" xmlns:p="http://schemas.openxmlformats.org/presentationml/2006/main">
+  <p:cSld>
+    <p:spTree>
+      <p:nvGrpSpPr>
+        <p:cNvPr id="1" name=""/>
+        <p:cNvGrpSpPr/>
+        <p:nvPr/>
+      </p:nvGrpSpPr>
+      <p:grpSpPr/>
+      <p:sp>
+        <p:nvSpPr>
+          <p:cNvPr id="2" name="标题 1"/>
+          <p:cNvSpPr>
+            <a:spLocks noGrp="1"/>
+          </p:cNvSpPr>
+          <p:nvPr>
+            <p:ph type="title"/>
+          </p:nvPr>
+        </p:nvSpPr>
+        <p:spPr/>
+        <p:txBody>
+          <a:bodyPr/>
+          <a:p>
+            <a:r>
+              <a:rPr lang="zh-CN" altLang="zh-CN"/>
+              <a:t>模块间关系</a:t>
+            </a:r>
+            <a:endParaRPr lang="zh-CN" altLang="zh-CN"/>
+          </a:p>
+        </p:txBody>
+      </p:sp>
+      <p:sp>
+        <p:nvSpPr>
+          <p:cNvPr id="3" name="内容占位符 2"/>
+          <p:cNvSpPr>
+            <a:spLocks noGrp="1"/>
+          </p:cNvSpPr>
+          <p:nvPr>
+            <p:ph idx="1"/>
+          </p:nvPr>
+        </p:nvSpPr>
+        <p:spPr/>
+        <p:txBody>
+          <a:bodyPr/>
+          <a:p>
+            <a:r>
+              <a:rPr lang="en-US" altLang="zh-CN">
+                <a:sym typeface="+mn-ea"/>
+              </a:rPr>
+              <a:t>Symbol</a:t>
+            </a:r>
+            <a:r>
+              <a:rPr lang="zh-CN" altLang="en-US"/>
+              <a:t>到</a:t>
+            </a:r>
+            <a:r>
+              <a:rPr lang="en-US" altLang="zh-CN">
+                <a:sym typeface="+mn-ea"/>
+              </a:rPr>
+              <a:t>Token</a:t>
+            </a:r>
+            <a:endParaRPr lang="en-US" altLang="zh-CN">
+              <a:sym typeface="+mn-ea"/>
+            </a:endParaRPr>
+          </a:p>
+          <a:p>
+            <a:pPr lvl="1"/>
+            <a:r>
+              <a:rPr lang="zh-CN" altLang="en-US"/>
+              <a:t>一对多</a:t>
+            </a:r>
+            <a:endParaRPr lang="zh-CN" altLang="en-US"/>
+          </a:p>
+          <a:p>
+            <a:pPr lvl="1"/>
+            <a:r>
+              <a:rPr lang="zh-CN" altLang="en-US"/>
+              <a:t>一个</a:t>
+            </a:r>
+            <a:r>
+              <a:rPr lang="en-US" altLang="zh-CN"/>
+              <a:t>Symbol</a:t>
+            </a:r>
+            <a:r>
+              <a:rPr lang="zh-CN" altLang="en-US"/>
+              <a:t>可能引用多个</a:t>
+            </a:r>
+            <a:r>
+              <a:rPr lang="en-US" altLang="zh-CN"/>
+              <a:t>Token</a:t>
+            </a:r>
+            <a:r>
+              <a:rPr lang="zh-CN" altLang="en-US"/>
+              <a:t>，以覆盖</a:t>
+            </a:r>
+            <a:r>
+              <a:rPr lang="en-US" altLang="zh-CN"/>
+              <a:t>Symbol</a:t>
+            </a:r>
+            <a:r>
+              <a:rPr lang="zh-CN" altLang="en-US"/>
+              <a:t>对应的所有对应定义</a:t>
+            </a:r>
+            <a:endParaRPr lang="zh-CN" altLang="en-US"/>
+          </a:p>
+          <a:p>
+            <a:pPr lvl="0"/>
+            <a:r>
+              <a:rPr lang="en-US" altLang="zh-CN"/>
+              <a:t>Token</a:t>
+            </a:r>
+            <a:r>
+              <a:rPr lang="zh-CN" altLang="en-US"/>
+              <a:t>到</a:t>
+            </a:r>
+            <a:r>
+              <a:rPr lang="en-US" altLang="zh-CN"/>
+              <a:t>Symbol</a:t>
+            </a:r>
+            <a:endParaRPr lang="en-US" altLang="zh-CN"/>
+          </a:p>
+          <a:p>
+            <a:pPr lvl="1"/>
+            <a:r>
+              <a:rPr lang="zh-CN" altLang="en-US"/>
+              <a:t>一对一</a:t>
+            </a:r>
+            <a:endParaRPr lang="zh-CN" altLang="en-US"/>
+          </a:p>
+          <a:p>
+            <a:pPr lvl="1"/>
+            <a:r>
+              <a:rPr lang="zh-CN" altLang="en-US"/>
+              <a:t>一个</a:t>
+            </a:r>
+            <a:r>
+              <a:rPr lang="en-US" altLang="zh-CN"/>
+              <a:t>Symbol</a:t>
+            </a:r>
+            <a:r>
+              <a:rPr lang="zh-CN" altLang="en-US"/>
+              <a:t>只有一种类型，只能同时对应</a:t>
+            </a:r>
+            <a:r>
+              <a:rPr lang="en-US" altLang="zh-CN"/>
+              <a:t>Variable</a:t>
+            </a:r>
+            <a:r>
+              <a:rPr lang="zh-CN" altLang="en-US"/>
+              <a:t>、</a:t>
+            </a:r>
+            <a:r>
+              <a:rPr lang="en-US" altLang="zh-CN"/>
+              <a:t>Function</a:t>
+            </a:r>
+            <a:r>
+              <a:rPr lang="zh-CN" altLang="en-US"/>
+              <a:t>、</a:t>
+            </a:r>
+            <a:r>
+              <a:rPr lang="en-US" altLang="zh-CN"/>
+              <a:t>Type</a:t>
+            </a:r>
+            <a:r>
+              <a:rPr lang="zh-CN" altLang="en-US"/>
+              <a:t>其中一种（或者没有）</a:t>
+            </a:r>
+            <a:endParaRPr lang="zh-CN" altLang="en-US"/>
+          </a:p>
+          <a:p>
+            <a:pPr lvl="1"/>
+            <a:r>
+              <a:rPr lang="zh-CN" altLang="en-US"/>
+              <a:t>同时，一个</a:t>
+            </a:r>
+            <a:r>
+              <a:rPr lang="en-US" altLang="zh-CN"/>
+              <a:t>Symbol</a:t>
+            </a:r>
+            <a:r>
+              <a:rPr lang="zh-CN" altLang="en-US"/>
+              <a:t>只对应所位于的层数最深的</a:t>
+            </a:r>
+            <a:r>
+              <a:rPr lang="en-US" altLang="zh-CN"/>
+              <a:t>Scope</a:t>
+            </a:r>
+            <a:r>
+              <a:rPr lang="zh-CN" altLang="en-US"/>
+              <a:t>。（</a:t>
+            </a:r>
+            <a:r>
+              <a:rPr lang="en-US" altLang="zh-CN"/>
+              <a:t>Scope</a:t>
+            </a:r>
+            <a:r>
+              <a:rPr lang="zh-CN" altLang="en-US"/>
+              <a:t>间有</a:t>
+            </a:r>
+            <a:r>
+              <a:rPr lang="en-US" altLang="zh-CN"/>
+              <a:t>nested</a:t>
+            </a:r>
+            <a:r>
+              <a:rPr lang="zh-CN" altLang="en-US"/>
+              <a:t>关系所以可以找到所有位于的</a:t>
+            </a:r>
+            <a:r>
+              <a:rPr lang="en-US" altLang="zh-CN"/>
+              <a:t>Scope</a:t>
+            </a:r>
+            <a:r>
+              <a:rPr lang="zh-CN" altLang="en-US"/>
+              <a:t>）</a:t>
+            </a:r>
+            <a:endParaRPr lang="en-US" altLang="zh-CN"/>
+          </a:p>
+        </p:txBody>
+      </p:sp>
+    </p:spTree>
+  </p:cSld>
+  <p:clrMapOvr>
+    <a:masterClrMapping/>
+  </p:clrMapOvr>
+</p:sld>
+</file>
+
+<file path=ppt/slides/slide16.xml><?xml version="1.0" encoding="utf-8"?>
+<p:sld xmlns:a="http://schemas.openxmlformats.org/drawingml/2006/main" xmlns:r="http://schemas.openxmlformats.org/officeDocument/2006/relationships" xmlns:p="http://schemas.openxmlformats.org/presentationml/2006/main">
+  <p:cSld>
+    <p:spTree>
+      <p:nvGrpSpPr>
+        <p:cNvPr id="1" name=""/>
+        <p:cNvGrpSpPr/>
+        <p:nvPr/>
+      </p:nvGrpSpPr>
+      <p:grpSpPr/>
+      <p:sp>
+        <p:nvSpPr>
+          <p:cNvPr id="2" name="标题 1"/>
+          <p:cNvSpPr>
+            <a:spLocks noGrp="1"/>
+          </p:cNvSpPr>
+          <p:nvPr>
+            <p:ph type="title"/>
+          </p:nvPr>
+        </p:nvSpPr>
+        <p:spPr/>
+        <p:txBody>
+          <a:bodyPr/>
+          <a:p>
+            <a:r>
+              <a:rPr lang="zh-CN" altLang="zh-CN">
+                <a:sym typeface="+mn-ea"/>
+              </a:rPr>
+              <a:t>模块间关系</a:t>
+            </a:r>
+            <a:endParaRPr lang="zh-CN" altLang="en-US"/>
+          </a:p>
+        </p:txBody>
+      </p:sp>
+      <p:grpSp>
+        <p:nvGrpSpPr>
+          <p:cNvPr id="30" name="组合 29"/>
+          <p:cNvGrpSpPr/>
+          <p:nvPr/>
+        </p:nvGrpSpPr>
+        <p:grpSpPr>
+          <a:xfrm>
+            <a:off x="690245" y="2084705"/>
+            <a:ext cx="11295380" cy="3543935"/>
+            <a:chOff x="764" y="3055"/>
+            <a:chExt cx="17788" cy="5581"/>
+          </a:xfrm>
+        </p:grpSpPr>
+        <p:sp>
+          <p:nvSpPr>
+            <p:cNvPr id="9" name="圆角矩形 8"/>
+            <p:cNvSpPr/>
+            <p:nvPr/>
+          </p:nvSpPr>
+          <p:spPr>
+            <a:xfrm>
+              <a:off x="1726" y="3062"/>
+              <a:ext cx="1807" cy="1908"/>
+            </a:xfrm>
+            <a:prstGeom prst="roundRect">
+              <a:avLst/>
+            </a:prstGeom>
+            <a:solidFill>
+              <a:schemeClr val="accent3"/>
+            </a:solidFill>
+          </p:spPr>
+          <p:style>
+            <a:lnRef idx="2">
+              <a:schemeClr val="accent1">
+                <a:shade val="50000"/>
+              </a:schemeClr>
+            </a:lnRef>
+            <a:fillRef idx="1">
+              <a:schemeClr val="accent1"/>
+            </a:fillRef>
+            <a:effectRef idx="0">
+              <a:schemeClr val="accent1"/>
+            </a:effectRef>
+            <a:fontRef idx="minor">
+              <a:schemeClr val="lt1"/>
+            </a:fontRef>
+          </p:style>
+          <p:txBody>
+            <a:bodyPr rtlCol="0" anchor="ctr"/>
+            <a:p>
+              <a:pPr algn="ctr"/>
+              <a:r>
+                <a:rPr lang="en-US" altLang="zh-CN"/>
+                <a:t>Global</a:t>
+              </a:r>
+              <a:endParaRPr lang="en-US" altLang="zh-CN"/>
+            </a:p>
+          </p:txBody>
+        </p:sp>
+        <p:sp>
+          <p:nvSpPr>
+            <p:cNvPr id="10" name="圆角矩形 9"/>
+            <p:cNvSpPr/>
+            <p:nvPr/>
+          </p:nvSpPr>
+          <p:spPr>
+            <a:xfrm>
+              <a:off x="4207" y="3055"/>
+              <a:ext cx="1807" cy="1908"/>
+            </a:xfrm>
+            <a:prstGeom prst="roundRect">
+              <a:avLst/>
+            </a:prstGeom>
+            <a:solidFill>
+              <a:schemeClr val="accent3"/>
+            </a:solidFill>
+          </p:spPr>
+          <p:style>
+            <a:lnRef idx="2">
+              <a:schemeClr val="accent1">
+                <a:shade val="50000"/>
+              </a:schemeClr>
+            </a:lnRef>
+            <a:fillRef idx="1">
+              <a:schemeClr val="accent1"/>
+            </a:fillRef>
+            <a:effectRef idx="0">
+              <a:schemeClr val="accent1"/>
+            </a:effectRef>
+            <a:fontRef idx="minor">
+              <a:schemeClr val="lt1"/>
+            </a:fontRef>
+          </p:style>
+          <p:txBody>
+            <a:bodyPr rtlCol="0" anchor="ctr"/>
+            <a:p>
+              <a:pPr algn="ctr"/>
+              <a:r>
+                <a:rPr lang="en-US" altLang="zh-CN"/>
+                <a:t>main{}</a:t>
+              </a:r>
+              <a:endParaRPr lang="en-US" altLang="zh-CN"/>
+            </a:p>
+          </p:txBody>
+        </p:sp>
+        <p:sp>
+          <p:nvSpPr>
+            <p:cNvPr id="11" name="圆角矩形 10"/>
+            <p:cNvSpPr/>
+            <p:nvPr/>
+          </p:nvSpPr>
+          <p:spPr>
+            <a:xfrm>
+              <a:off x="8501" y="3062"/>
+              <a:ext cx="1807" cy="1908"/>
+            </a:xfrm>
+            <a:prstGeom prst="roundRect">
+              <a:avLst/>
+            </a:prstGeom>
+          </p:spPr>
+          <p:style>
+            <a:lnRef idx="2">
+              <a:schemeClr val="accent1">
+                <a:shade val="50000"/>
+              </a:schemeClr>
+            </a:lnRef>
+            <a:fillRef idx="1">
+              <a:schemeClr val="accent1"/>
+            </a:fillRef>
+            <a:effectRef idx="0">
+              <a:schemeClr val="accent1"/>
+            </a:effectRef>
+            <a:fontRef idx="minor">
+              <a:schemeClr val="lt1"/>
+            </a:fontRef>
+          </p:style>
+          <p:txBody>
+            <a:bodyPr rtlCol="0" anchor="ctr"/>
+            <a:p>
+              <a:pPr algn="ctr"/>
+              <a:r>
+                <a:rPr lang="en-US" altLang="zh-CN"/>
+                <a:t>int main()</a:t>
+              </a:r>
+              <a:endParaRPr lang="en-US" altLang="zh-CN"/>
+            </a:p>
+          </p:txBody>
+        </p:sp>
+        <p:sp>
+          <p:nvSpPr>
+            <p:cNvPr id="12" name="圆角矩形 11"/>
+            <p:cNvSpPr/>
+            <p:nvPr/>
+          </p:nvSpPr>
+          <p:spPr>
+            <a:xfrm>
+              <a:off x="12978" y="3055"/>
+              <a:ext cx="1807" cy="1908"/>
+            </a:xfrm>
+            <a:prstGeom prst="roundRect">
+              <a:avLst/>
+            </a:prstGeom>
+            <a:solidFill>
+              <a:schemeClr val="accent5"/>
+            </a:solidFill>
+          </p:spPr>
+          <p:style>
+            <a:lnRef idx="2">
+              <a:schemeClr val="accent1">
+                <a:shade val="50000"/>
+              </a:schemeClr>
+            </a:lnRef>
+            <a:fillRef idx="1">
+              <a:schemeClr val="accent1"/>
+            </a:fillRef>
+            <a:effectRef idx="0">
+              <a:schemeClr val="accent1"/>
+            </a:effectRef>
+            <a:fontRef idx="minor">
+              <a:schemeClr val="lt1"/>
+            </a:fontRef>
+          </p:style>
+          <p:txBody>
+            <a:bodyPr rtlCol="0" anchor="ctr"/>
+            <a:p>
+              <a:pPr algn="ctr"/>
+              <a:r>
+                <a:rPr lang="en-US" altLang="zh-CN"/>
+                <a:t>int* p1</a:t>
+              </a:r>
+              <a:endParaRPr lang="en-US" altLang="zh-CN"/>
+            </a:p>
+          </p:txBody>
+        </p:sp>
+        <p:sp>
+          <p:nvSpPr>
+            <p:cNvPr id="13" name="圆角矩形 12"/>
+            <p:cNvSpPr/>
+            <p:nvPr/>
+          </p:nvSpPr>
+          <p:spPr>
+            <a:xfrm>
+              <a:off x="15475" y="3062"/>
+              <a:ext cx="1807" cy="1908"/>
+            </a:xfrm>
+            <a:prstGeom prst="roundRect">
+              <a:avLst/>
+            </a:prstGeom>
+            <a:solidFill>
+              <a:schemeClr val="accent5"/>
+            </a:solidFill>
+          </p:spPr>
+          <p:style>
+            <a:lnRef idx="2">
+              <a:schemeClr val="accent1">
+                <a:shade val="50000"/>
+              </a:schemeClr>
+            </a:lnRef>
+            <a:fillRef idx="1">
+              <a:schemeClr val="accent1"/>
+            </a:fillRef>
+            <a:effectRef idx="0">
+              <a:schemeClr val="accent1"/>
+            </a:effectRef>
+            <a:fontRef idx="minor">
+              <a:schemeClr val="lt1"/>
+            </a:fontRef>
+          </p:style>
+          <p:txBody>
+            <a:bodyPr rtlCol="0" anchor="ctr"/>
+            <a:p>
+              <a:pPr algn="ctr"/>
+              <a:r>
+                <a:rPr lang="en-US" altLang="zh-CN">
+                  <a:sym typeface="+mn-ea"/>
+                </a:rPr>
+                <a:t>int* p2</a:t>
+              </a:r>
+              <a:endParaRPr lang="en-US" altLang="zh-CN"/>
+            </a:p>
+          </p:txBody>
+        </p:sp>
+        <p:sp>
+          <p:nvSpPr>
+            <p:cNvPr id="5" name="文本框 4"/>
+            <p:cNvSpPr txBox="1"/>
+            <p:nvPr/>
+          </p:nvSpPr>
+          <p:spPr>
+            <a:xfrm>
+              <a:off x="764" y="7876"/>
+              <a:ext cx="17789" cy="725"/>
+            </a:xfrm>
+            <a:prstGeom prst="rect">
+              <a:avLst/>
+            </a:prstGeom>
+            <a:noFill/>
+          </p:spPr>
+          <p:txBody>
+            <a:bodyPr wrap="square" rtlCol="0">
+              <a:spAutoFit/>
+            </a:bodyPr>
+            <a:p>
+              <a:pPr marL="0" lvl="0" indent="0">
+                <a:buNone/>
+              </a:pPr>
+              <a:r>
+                <a:rPr kumimoji="1" lang="zh-CN" altLang="en-US" sz="2400" dirty="0">
+                  <a:sym typeface="+mn-ea"/>
+                </a:rPr>
+                <a:t>int main ( ) { int * p1 </a:t>
+              </a:r>
+              <a:r>
+                <a:rPr kumimoji="1" lang="en-US" altLang="zh-CN" sz="2400" dirty="0">
+                  <a:sym typeface="+mn-ea"/>
+                </a:rPr>
+                <a:t>; p1</a:t>
+              </a:r>
+              <a:r>
+                <a:rPr kumimoji="1" lang="zh-CN" altLang="en-US" sz="2400" dirty="0">
+                  <a:sym typeface="+mn-ea"/>
+                </a:rPr>
+                <a:t> = new int ( 0 ) ; delete p1 ; int * p2 </a:t>
+              </a:r>
+              <a:r>
+                <a:rPr kumimoji="1" lang="en-US" altLang="zh-CN" sz="2400" dirty="0">
+                  <a:sym typeface="+mn-ea"/>
+                </a:rPr>
+                <a:t>;</a:t>
+              </a:r>
+              <a:r>
+                <a:rPr kumimoji="1" lang="zh-CN" altLang="en-US" sz="2400" dirty="0">
+                  <a:sym typeface="+mn-ea"/>
+                </a:rPr>
+                <a:t> </a:t>
+              </a:r>
+              <a:r>
+                <a:rPr kumimoji="1" lang="en-US" altLang="zh-CN" sz="2400" dirty="0">
+                  <a:sym typeface="+mn-ea"/>
+                </a:rPr>
+                <a:t>p2 </a:t>
+              </a:r>
+              <a:r>
+                <a:rPr kumimoji="1" lang="zh-CN" altLang="en-US" sz="2400" dirty="0">
+                  <a:sym typeface="+mn-ea"/>
+                </a:rPr>
+                <a:t>= p1 ; * p1 = 0 ; * p2 = 0 ; }</a:t>
+              </a:r>
+              <a:endParaRPr kumimoji="1" lang="zh-CN" altLang="en-US" sz="2400" dirty="0">
+                <a:sym typeface="+mn-ea"/>
+              </a:endParaRPr>
+            </a:p>
+          </p:txBody>
+        </p:sp>
+        <p:sp>
+          <p:nvSpPr>
+            <p:cNvPr id="7" name="矩形 6"/>
+            <p:cNvSpPr/>
+            <p:nvPr/>
+          </p:nvSpPr>
+          <p:spPr>
+            <a:xfrm>
+              <a:off x="815" y="7902"/>
+              <a:ext cx="2237" cy="725"/>
+            </a:xfrm>
+            <a:prstGeom prst="rect">
+              <a:avLst/>
+            </a:prstGeom>
+            <a:noFill/>
+          </p:spPr>
+          <p:style>
+            <a:lnRef idx="2">
+              <a:schemeClr val="accent1">
+                <a:shade val="50000"/>
+              </a:schemeClr>
+            </a:lnRef>
+            <a:fillRef idx="1">
+              <a:schemeClr val="accent1"/>
+            </a:fillRef>
+            <a:effectRef idx="0">
+              <a:schemeClr val="accent1"/>
+            </a:effectRef>
+            <a:fontRef idx="minor">
+              <a:schemeClr val="lt1"/>
+            </a:fontRef>
+          </p:style>
+          <p:txBody>
+            <a:bodyPr rtlCol="0" anchor="ctr"/>
+            <a:p>
+              <a:pPr algn="ctr"/>
+              <a:endParaRPr lang="zh-CN" altLang="en-US"/>
+            </a:p>
+          </p:txBody>
+        </p:sp>
+        <p:sp>
+          <p:nvSpPr>
+            <p:cNvPr id="8" name="矩形 7"/>
+            <p:cNvSpPr/>
+            <p:nvPr/>
+          </p:nvSpPr>
+          <p:spPr>
+            <a:xfrm>
+              <a:off x="3090" y="7898"/>
+              <a:ext cx="208" cy="725"/>
+            </a:xfrm>
+            <a:prstGeom prst="rect">
+              <a:avLst/>
+            </a:prstGeom>
+            <a:noFill/>
+            <a:ln>
+              <a:solidFill>
+                <a:schemeClr val="accent3"/>
+              </a:solidFill>
+            </a:ln>
+          </p:spPr>
+          <p:style>
+            <a:lnRef idx="2">
+              <a:schemeClr val="accent1">
+                <a:shade val="50000"/>
+              </a:schemeClr>
+            </a:lnRef>
+            <a:fillRef idx="1">
+              <a:schemeClr val="accent1"/>
+            </a:fillRef>
+            <a:effectRef idx="0">
+              <a:schemeClr val="accent1"/>
+            </a:effectRef>
+            <a:fontRef idx="minor">
+              <a:schemeClr val="lt1"/>
+            </a:fontRef>
+          </p:style>
+          <p:txBody>
+            <a:bodyPr rtlCol="0" anchor="ctr"/>
+            <a:p>
+              <a:pPr algn="ctr"/>
+              <a:endParaRPr lang="zh-CN" altLang="en-US"/>
+            </a:p>
+          </p:txBody>
+        </p:sp>
+        <p:sp>
+          <p:nvSpPr>
+            <p:cNvPr id="14" name="矩形 13"/>
+            <p:cNvSpPr/>
+            <p:nvPr/>
+          </p:nvSpPr>
+          <p:spPr>
+            <a:xfrm>
+              <a:off x="17918" y="7902"/>
+              <a:ext cx="208" cy="725"/>
+            </a:xfrm>
+            <a:prstGeom prst="rect">
+              <a:avLst/>
+            </a:prstGeom>
+            <a:noFill/>
+            <a:ln>
+              <a:solidFill>
+                <a:schemeClr val="accent3"/>
+              </a:solidFill>
+            </a:ln>
+          </p:spPr>
+          <p:style>
+            <a:lnRef idx="2">
+              <a:schemeClr val="accent1">
+                <a:shade val="50000"/>
+              </a:schemeClr>
+            </a:lnRef>
+            <a:fillRef idx="1">
+              <a:schemeClr val="accent1"/>
+            </a:fillRef>
+            <a:effectRef idx="0">
+              <a:schemeClr val="accent1"/>
+            </a:effectRef>
+            <a:fontRef idx="minor">
+              <a:schemeClr val="lt1"/>
+            </a:fontRef>
+          </p:style>
+          <p:txBody>
+            <a:bodyPr rtlCol="0" anchor="ctr"/>
+            <a:p>
+              <a:pPr algn="ctr"/>
+              <a:endParaRPr lang="zh-CN" altLang="en-US"/>
+            </a:p>
+          </p:txBody>
+        </p:sp>
+        <p:sp>
+          <p:nvSpPr>
+            <p:cNvPr id="15" name="矩形 14"/>
+            <p:cNvSpPr/>
+            <p:nvPr/>
+          </p:nvSpPr>
+          <p:spPr>
+            <a:xfrm>
+              <a:off x="1519" y="7905"/>
+              <a:ext cx="1063" cy="725"/>
+            </a:xfrm>
+            <a:prstGeom prst="rect">
+              <a:avLst/>
+            </a:prstGeom>
+            <a:noFill/>
+            <a:ln>
+              <a:solidFill>
+                <a:schemeClr val="accent3"/>
+              </a:solidFill>
+            </a:ln>
+          </p:spPr>
+          <p:style>
+            <a:lnRef idx="2">
+              <a:schemeClr val="accent1">
+                <a:shade val="50000"/>
+              </a:schemeClr>
+            </a:lnRef>
+            <a:fillRef idx="1">
+              <a:schemeClr val="accent1"/>
+            </a:fillRef>
+            <a:effectRef idx="0">
+              <a:schemeClr val="accent1"/>
+            </a:effectRef>
+            <a:fontRef idx="minor">
+              <a:schemeClr val="lt1"/>
+            </a:fontRef>
+          </p:style>
+          <p:txBody>
+            <a:bodyPr rtlCol="0" anchor="ctr"/>
+            <a:p>
+              <a:pPr algn="ctr"/>
+              <a:endParaRPr lang="zh-CN" altLang="en-US"/>
+            </a:p>
+          </p:txBody>
+        </p:sp>
+        <p:sp>
+          <p:nvSpPr>
+            <p:cNvPr id="16" name="矩形 15"/>
+            <p:cNvSpPr/>
+            <p:nvPr/>
+          </p:nvSpPr>
+          <p:spPr>
+            <a:xfrm>
+              <a:off x="3315" y="7906"/>
+              <a:ext cx="892" cy="723"/>
+            </a:xfrm>
+            <a:prstGeom prst="rect">
+              <a:avLst/>
+            </a:prstGeom>
+            <a:noFill/>
+            <a:ln>
+              <a:solidFill>
+                <a:schemeClr val="accent5"/>
+              </a:solidFill>
+            </a:ln>
+          </p:spPr>
+          <p:style>
+            <a:lnRef idx="2">
+              <a:schemeClr val="accent1">
+                <a:shade val="50000"/>
+              </a:schemeClr>
+            </a:lnRef>
+            <a:fillRef idx="1">
+              <a:schemeClr val="accent1"/>
+            </a:fillRef>
+            <a:effectRef idx="0">
+              <a:schemeClr val="accent1"/>
+            </a:effectRef>
+            <a:fontRef idx="minor">
+              <a:schemeClr val="lt1"/>
+            </a:fontRef>
+          </p:style>
+          <p:txBody>
+            <a:bodyPr rtlCol="0" anchor="ctr"/>
+            <a:p>
+              <a:pPr algn="ctr"/>
+              <a:endParaRPr lang="zh-CN" altLang="en-US"/>
+            </a:p>
+          </p:txBody>
+        </p:sp>
+        <p:sp>
+          <p:nvSpPr>
+            <p:cNvPr id="17" name="矩形 16"/>
+            <p:cNvSpPr/>
+            <p:nvPr/>
+          </p:nvSpPr>
+          <p:spPr>
+            <a:xfrm>
+              <a:off x="10730" y="7914"/>
+              <a:ext cx="892" cy="723"/>
+            </a:xfrm>
+            <a:prstGeom prst="rect">
+              <a:avLst/>
+            </a:prstGeom>
+            <a:noFill/>
+            <a:ln>
+              <a:solidFill>
+                <a:schemeClr val="accent5"/>
+              </a:solidFill>
+            </a:ln>
+          </p:spPr>
+          <p:style>
+            <a:lnRef idx="2">
+              <a:schemeClr val="accent1">
+                <a:shade val="50000"/>
+              </a:schemeClr>
+            </a:lnRef>
+            <a:fillRef idx="1">
+              <a:schemeClr val="accent1"/>
+            </a:fillRef>
+            <a:effectRef idx="0">
+              <a:schemeClr val="accent1"/>
+            </a:effectRef>
+            <a:fontRef idx="minor">
+              <a:schemeClr val="lt1"/>
+            </a:fontRef>
+          </p:style>
+          <p:txBody>
+            <a:bodyPr rtlCol="0" anchor="ctr"/>
+            <a:p>
+              <a:pPr algn="ctr"/>
+              <a:endParaRPr lang="zh-CN" altLang="en-US"/>
+            </a:p>
+          </p:txBody>
+        </p:sp>
+        <p:cxnSp>
+          <p:nvCxnSpPr>
+            <p:cNvPr id="18" name="肘形连接符 17"/>
+            <p:cNvCxnSpPr>
+              <a:stCxn id="10" idx="2"/>
+              <a:endCxn id="15" idx="0"/>
+            </p:cNvCxnSpPr>
+            <p:nvPr/>
+          </p:nvCxnSpPr>
+          <p:spPr>
+            <a:xfrm rot="5400000">
+              <a:off x="2110" y="4923"/>
+              <a:ext cx="2942" cy="3060"/>
+            </a:xfrm>
+            <a:prstGeom prst="bentConnector3">
+              <a:avLst>
+                <a:gd name="adj1" fmla="val 50000"/>
+              </a:avLst>
+            </a:prstGeom>
+            <a:ln>
+              <a:tailEnd type="arrow" w="med" len="med"/>
+            </a:ln>
+          </p:spPr>
+          <p:style>
+            <a:lnRef idx="1">
+              <a:schemeClr val="accent3"/>
+            </a:lnRef>
+            <a:fillRef idx="0">
+              <a:schemeClr val="accent3"/>
+            </a:fillRef>
+            <a:effectRef idx="0">
+              <a:schemeClr val="accent3"/>
+            </a:effectRef>
+            <a:fontRef idx="minor">
+              <a:schemeClr val="tx1"/>
+            </a:fontRef>
+          </p:style>
+        </p:cxnSp>
+        <p:cxnSp>
+          <p:nvCxnSpPr>
+            <p:cNvPr id="19" name="肘形连接符 18"/>
+            <p:cNvCxnSpPr>
+              <a:stCxn id="10" idx="2"/>
+              <a:endCxn id="8" idx="0"/>
+            </p:cNvCxnSpPr>
+            <p:nvPr/>
+          </p:nvCxnSpPr>
+          <p:spPr>
+            <a:xfrm rot="5400000">
+              <a:off x="2685" y="5491"/>
+              <a:ext cx="2935" cy="1917"/>
+            </a:xfrm>
+            <a:prstGeom prst="bentConnector3">
+              <a:avLst>
+                <a:gd name="adj1" fmla="val 50017"/>
+              </a:avLst>
+            </a:prstGeom>
+            <a:ln>
+              <a:tailEnd type="arrow" w="med" len="med"/>
+            </a:ln>
+          </p:spPr>
+          <p:style>
+            <a:lnRef idx="1">
+              <a:schemeClr val="accent3"/>
+            </a:lnRef>
+            <a:fillRef idx="0">
+              <a:schemeClr val="accent3"/>
+            </a:fillRef>
+            <a:effectRef idx="0">
+              <a:schemeClr val="accent3"/>
+            </a:effectRef>
+            <a:fontRef idx="minor">
+              <a:schemeClr val="tx1"/>
+            </a:fontRef>
+          </p:style>
+        </p:cxnSp>
+        <p:cxnSp>
+          <p:nvCxnSpPr>
+            <p:cNvPr id="21" name="肘形连接符 20"/>
+            <p:cNvCxnSpPr>
+              <a:stCxn id="10" idx="2"/>
+              <a:endCxn id="14" idx="0"/>
+            </p:cNvCxnSpPr>
+            <p:nvPr/>
+          </p:nvCxnSpPr>
+          <p:spPr>
+            <a:xfrm rot="5400000" flipV="1">
+              <a:off x="10097" y="-4"/>
+              <a:ext cx="2939" cy="12911"/>
+            </a:xfrm>
+            <a:prstGeom prst="bentConnector3">
+              <a:avLst>
+                <a:gd name="adj1" fmla="val 50017"/>
+              </a:avLst>
+            </a:prstGeom>
+            <a:ln>
+              <a:tailEnd type="arrow" w="med" len="med"/>
+            </a:ln>
+          </p:spPr>
+          <p:style>
+            <a:lnRef idx="1">
+              <a:schemeClr val="accent3"/>
+            </a:lnRef>
+            <a:fillRef idx="0">
+              <a:schemeClr val="accent3"/>
+            </a:fillRef>
+            <a:effectRef idx="0">
+              <a:schemeClr val="accent3"/>
+            </a:effectRef>
+            <a:fontRef idx="minor">
+              <a:schemeClr val="tx1"/>
+            </a:fontRef>
+          </p:style>
+        </p:cxnSp>
+        <p:cxnSp>
+          <p:nvCxnSpPr>
+            <p:cNvPr id="23" name="肘形连接符 22"/>
+            <p:cNvCxnSpPr>
+              <a:stCxn id="11" idx="2"/>
+              <a:endCxn id="7" idx="1"/>
+            </p:cNvCxnSpPr>
+            <p:nvPr/>
+          </p:nvCxnSpPr>
+          <p:spPr>
+            <a:xfrm rot="5400000">
+              <a:off x="3463" y="2342"/>
+              <a:ext cx="3295" cy="8590"/>
+            </a:xfrm>
+            <a:prstGeom prst="bentConnector4">
+              <a:avLst>
+                <a:gd name="adj1" fmla="val 27587"/>
+                <a:gd name="adj2" fmla="val 104371"/>
+              </a:avLst>
+            </a:prstGeom>
+            <a:ln>
+              <a:tailEnd type="arrow"/>
+            </a:ln>
+          </p:spPr>
+          <p:style>
+            <a:lnRef idx="1">
+              <a:schemeClr val="accent1"/>
+            </a:lnRef>
+            <a:fillRef idx="0">
+              <a:schemeClr val="accent1"/>
+            </a:fillRef>
+            <a:effectRef idx="0">
+              <a:schemeClr val="accent1"/>
+            </a:effectRef>
+            <a:fontRef idx="minor">
+              <a:schemeClr val="tx1"/>
+            </a:fontRef>
+          </p:style>
+        </p:cxnSp>
+        <p:cxnSp>
+          <p:nvCxnSpPr>
+            <p:cNvPr id="24" name="肘形连接符 23"/>
+            <p:cNvCxnSpPr>
+              <a:stCxn id="12" idx="2"/>
+              <a:endCxn id="16" idx="0"/>
+            </p:cNvCxnSpPr>
+            <p:nvPr/>
+          </p:nvCxnSpPr>
+          <p:spPr>
+            <a:xfrm rot="5400000">
+              <a:off x="7350" y="1393"/>
+              <a:ext cx="2943" cy="10121"/>
+            </a:xfrm>
+            <a:prstGeom prst="bentConnector3">
+              <a:avLst>
+                <a:gd name="adj1" fmla="val 62181"/>
+              </a:avLst>
+            </a:prstGeom>
+            <a:ln>
+              <a:tailEnd type="arrow" w="med" len="med"/>
+            </a:ln>
+          </p:spPr>
+          <p:style>
+            <a:lnRef idx="1">
+              <a:schemeClr val="accent5"/>
+            </a:lnRef>
+            <a:fillRef idx="0">
+              <a:schemeClr val="accent5"/>
+            </a:fillRef>
+            <a:effectRef idx="0">
+              <a:schemeClr val="accent5"/>
+            </a:effectRef>
+            <a:fontRef idx="minor">
+              <a:schemeClr val="tx1"/>
+            </a:fontRef>
+          </p:style>
+        </p:cxnSp>
+        <p:cxnSp>
+          <p:nvCxnSpPr>
+            <p:cNvPr id="25" name="肘形连接符 24"/>
+            <p:cNvCxnSpPr>
+              <a:stCxn id="13" idx="2"/>
+              <a:endCxn id="17" idx="0"/>
+            </p:cNvCxnSpPr>
+            <p:nvPr/>
+          </p:nvCxnSpPr>
+          <p:spPr>
+            <a:xfrm rot="5400000">
+              <a:off x="12306" y="3860"/>
+              <a:ext cx="2944" cy="5203"/>
+            </a:xfrm>
+            <a:prstGeom prst="bentConnector3">
+              <a:avLst>
+                <a:gd name="adj1" fmla="val 81691"/>
+              </a:avLst>
+            </a:prstGeom>
+            <a:ln>
+              <a:tailEnd type="arrow" w="med" len="med"/>
+            </a:ln>
+          </p:spPr>
+          <p:style>
+            <a:lnRef idx="1">
+              <a:schemeClr val="accent5"/>
+            </a:lnRef>
+            <a:fillRef idx="0">
+              <a:schemeClr val="accent5"/>
+            </a:fillRef>
+            <a:effectRef idx="0">
+              <a:schemeClr val="accent5"/>
+            </a:effectRef>
+            <a:fontRef idx="minor">
+              <a:schemeClr val="tx1"/>
+            </a:fontRef>
+          </p:style>
+        </p:cxnSp>
+        <p:sp>
+          <p:nvSpPr>
+            <p:cNvPr id="26" name="文本框 25"/>
+            <p:cNvSpPr txBox="1"/>
+            <p:nvPr/>
+          </p:nvSpPr>
+          <p:spPr>
+            <a:xfrm>
+              <a:off x="6309" y="5299"/>
+              <a:ext cx="2478" cy="580"/>
+            </a:xfrm>
+            <a:prstGeom prst="rect">
+              <a:avLst/>
+            </a:prstGeom>
+            <a:noFill/>
+          </p:spPr>
+          <p:txBody>
+            <a:bodyPr wrap="square" rtlCol="0">
+              <a:spAutoFit/>
+            </a:bodyPr>
+            <a:p>
+              <a:r>
+                <a:rPr lang="en-US" altLang="zh-CN">
+                  <a:solidFill>
+                    <a:schemeClr val="accent1"/>
+                  </a:solidFill>
+                </a:rPr>
+                <a:t>ret, tok, arg</a:t>
+              </a:r>
+              <a:endParaRPr lang="en-US" altLang="zh-CN">
+                <a:solidFill>
+                  <a:schemeClr val="accent1"/>
+                </a:solidFill>
+              </a:endParaRPr>
+            </a:p>
+          </p:txBody>
+        </p:sp>
+        <p:sp>
+          <p:nvSpPr>
+            <p:cNvPr id="27" name="文本框 26"/>
+            <p:cNvSpPr txBox="1"/>
+            <p:nvPr/>
+          </p:nvSpPr>
+          <p:spPr>
+            <a:xfrm>
+              <a:off x="1859" y="5898"/>
+              <a:ext cx="1680" cy="580"/>
+            </a:xfrm>
+            <a:prstGeom prst="rect">
+              <a:avLst/>
+            </a:prstGeom>
+            <a:noFill/>
+          </p:spPr>
+          <p:txBody>
+            <a:bodyPr wrap="square" rtlCol="0">
+              <a:spAutoFit/>
+            </a:bodyPr>
+            <a:p>
+              <a:r>
+                <a:rPr lang="en-US" altLang="zh-CN">
+                  <a:solidFill>
+                    <a:schemeClr val="accent3"/>
+                  </a:solidFill>
+                </a:rPr>
+                <a:t>def, start</a:t>
+              </a:r>
+              <a:endParaRPr lang="en-US" altLang="zh-CN">
+                <a:solidFill>
+                  <a:schemeClr val="accent3"/>
+                </a:solidFill>
+              </a:endParaRPr>
+            </a:p>
+          </p:txBody>
+        </p:sp>
+        <p:sp>
+          <p:nvSpPr>
+            <p:cNvPr id="28" name="文本框 27"/>
+            <p:cNvSpPr txBox="1"/>
+            <p:nvPr/>
+          </p:nvSpPr>
+          <p:spPr>
+            <a:xfrm>
+              <a:off x="6014" y="5898"/>
+              <a:ext cx="1033" cy="580"/>
+            </a:xfrm>
+            <a:prstGeom prst="rect">
+              <a:avLst/>
+            </a:prstGeom>
+            <a:noFill/>
+          </p:spPr>
+          <p:txBody>
+            <a:bodyPr wrap="square" rtlCol="0">
+              <a:spAutoFit/>
+            </a:bodyPr>
+            <a:p>
+              <a:r>
+                <a:rPr lang="en-US" altLang="zh-CN">
+                  <a:solidFill>
+                    <a:schemeClr val="accent3"/>
+                  </a:solidFill>
+                </a:rPr>
+                <a:t>end</a:t>
+              </a:r>
+              <a:endParaRPr lang="en-US" altLang="zh-CN">
+                <a:solidFill>
+                  <a:schemeClr val="accent3"/>
+                </a:solidFill>
+              </a:endParaRPr>
+            </a:p>
+          </p:txBody>
+        </p:sp>
+        <p:sp>
+          <p:nvSpPr>
+            <p:cNvPr id="29" name="文本框 28"/>
+            <p:cNvSpPr txBox="1"/>
+            <p:nvPr/>
+          </p:nvSpPr>
+          <p:spPr>
+            <a:xfrm>
+              <a:off x="10730" y="6795"/>
+              <a:ext cx="2634" cy="580"/>
+            </a:xfrm>
+            <a:prstGeom prst="rect">
+              <a:avLst/>
+            </a:prstGeom>
+            <a:noFill/>
+          </p:spPr>
+          <p:txBody>
+            <a:bodyPr wrap="square" rtlCol="0">
+              <a:spAutoFit/>
+            </a:bodyPr>
+            <a:p>
+              <a:r>
+                <a:rPr lang="en-US" altLang="zh-CN">
+                  <a:solidFill>
+                    <a:schemeClr val="accent5"/>
+                  </a:solidFill>
+                </a:rPr>
+                <a:t>(type)start, end</a:t>
+              </a:r>
+              <a:endParaRPr lang="en-US" altLang="zh-CN">
+                <a:solidFill>
+                  <a:schemeClr val="accent5"/>
+                </a:solidFill>
+              </a:endParaRPr>
+            </a:p>
+          </p:txBody>
+        </p:sp>
+      </p:grpSp>
+    </p:spTree>
+  </p:cSld>
+  <p:clrMapOvr>
+    <a:masterClrMapping/>
+  </p:clrMapOvr>
+</p:sld>
+</file>
+
+<file path=ppt/slides/slide17.xml><?xml version="1.0" encoding="utf-8"?>
+<p:sld xmlns:a="http://schemas.openxmlformats.org/drawingml/2006/main" xmlns:r="http://schemas.openxmlformats.org/officeDocument/2006/relationships" xmlns:p="http://schemas.openxmlformats.org/presentationml/2006/main">
+  <p:cSld>
+    <p:spTree>
+      <p:nvGrpSpPr>
+        <p:cNvPr id="1" name=""/>
+        <p:cNvGrpSpPr/>
+        <p:nvPr/>
+      </p:nvGrpSpPr>
+      <p:grpSpPr/>
+      <p:sp>
+        <p:nvSpPr>
+          <p:cNvPr id="2" name="标题 1"/>
+          <p:cNvSpPr>
+            <a:spLocks noGrp="1"/>
+          </p:cNvSpPr>
+          <p:nvPr>
+            <p:ph type="title"/>
+          </p:nvPr>
+        </p:nvSpPr>
+        <p:spPr/>
+        <p:txBody>
+          <a:bodyPr/>
+          <a:p>
+            <a:r>
+              <a:rPr lang="zh-CN" altLang="zh-CN">
+                <a:sym typeface="+mn-ea"/>
+              </a:rPr>
+              <a:t>模块间关系</a:t>
+            </a:r>
+            <a:endParaRPr lang="zh-CN" altLang="en-US"/>
+          </a:p>
+        </p:txBody>
+      </p:sp>
+      <p:grpSp>
+        <p:nvGrpSpPr>
+          <p:cNvPr id="35" name="组合 34"/>
+          <p:cNvGrpSpPr/>
+          <p:nvPr/>
+        </p:nvGrpSpPr>
+        <p:grpSpPr>
+          <a:xfrm>
+            <a:off x="690245" y="2084705"/>
+            <a:ext cx="11295380" cy="3521075"/>
+            <a:chOff x="764" y="2656"/>
+            <a:chExt cx="17788" cy="5545"/>
+          </a:xfrm>
+        </p:grpSpPr>
+        <p:sp>
+          <p:nvSpPr>
+            <p:cNvPr id="9" name="圆角矩形 8"/>
+            <p:cNvSpPr/>
+            <p:nvPr/>
+          </p:nvSpPr>
+          <p:spPr>
+            <a:xfrm>
+              <a:off x="1726" y="2663"/>
+              <a:ext cx="1807" cy="1908"/>
+            </a:xfrm>
+            <a:prstGeom prst="roundRect">
+              <a:avLst/>
+            </a:prstGeom>
+            <a:solidFill>
+              <a:schemeClr val="accent3"/>
+            </a:solidFill>
+          </p:spPr>
+          <p:style>
+            <a:lnRef idx="2">
+              <a:schemeClr val="accent1">
+                <a:shade val="50000"/>
+              </a:schemeClr>
+            </a:lnRef>
+            <a:fillRef idx="1">
+              <a:schemeClr val="accent1"/>
+            </a:fillRef>
+            <a:effectRef idx="0">
+              <a:schemeClr val="accent1"/>
+            </a:effectRef>
+            <a:fontRef idx="minor">
+              <a:schemeClr val="lt1"/>
+            </a:fontRef>
+          </p:style>
+          <p:txBody>
+            <a:bodyPr rtlCol="0" anchor="ctr"/>
+            <a:p>
+              <a:pPr algn="ctr"/>
+              <a:r>
+                <a:rPr lang="en-US" altLang="zh-CN"/>
+                <a:t>Global</a:t>
+              </a:r>
+              <a:endParaRPr lang="en-US" altLang="zh-CN"/>
+            </a:p>
+          </p:txBody>
+        </p:sp>
+        <p:sp>
+          <p:nvSpPr>
+            <p:cNvPr id="10" name="圆角矩形 9"/>
+            <p:cNvSpPr/>
+            <p:nvPr/>
+          </p:nvSpPr>
+          <p:spPr>
+            <a:xfrm>
+              <a:off x="4207" y="2656"/>
+              <a:ext cx="1807" cy="1908"/>
+            </a:xfrm>
+            <a:prstGeom prst="roundRect">
+              <a:avLst/>
+            </a:prstGeom>
+            <a:solidFill>
+              <a:schemeClr val="accent3"/>
+            </a:solidFill>
+          </p:spPr>
+          <p:style>
+            <a:lnRef idx="2">
+              <a:schemeClr val="accent1">
+                <a:shade val="50000"/>
+              </a:schemeClr>
+            </a:lnRef>
+            <a:fillRef idx="1">
+              <a:schemeClr val="accent1"/>
+            </a:fillRef>
+            <a:effectRef idx="0">
+              <a:schemeClr val="accent1"/>
+            </a:effectRef>
+            <a:fontRef idx="minor">
+              <a:schemeClr val="lt1"/>
+            </a:fontRef>
+          </p:style>
+          <p:txBody>
+            <a:bodyPr rtlCol="0" anchor="ctr"/>
+            <a:p>
+              <a:pPr algn="ctr"/>
+              <a:r>
+                <a:rPr lang="en-US" altLang="zh-CN"/>
+                <a:t>main{}</a:t>
+              </a:r>
+              <a:endParaRPr lang="en-US" altLang="zh-CN"/>
+            </a:p>
+          </p:txBody>
+        </p:sp>
+        <p:sp>
+          <p:nvSpPr>
+            <p:cNvPr id="11" name="圆角矩形 10"/>
+            <p:cNvSpPr/>
+            <p:nvPr/>
+          </p:nvSpPr>
+          <p:spPr>
+            <a:xfrm>
+              <a:off x="8501" y="2663"/>
+              <a:ext cx="1807" cy="1908"/>
+            </a:xfrm>
+            <a:prstGeom prst="roundRect">
+              <a:avLst/>
+            </a:prstGeom>
+          </p:spPr>
+          <p:style>
+            <a:lnRef idx="2">
+              <a:schemeClr val="accent1">
+                <a:shade val="50000"/>
+              </a:schemeClr>
+            </a:lnRef>
+            <a:fillRef idx="1">
+              <a:schemeClr val="accent1"/>
+            </a:fillRef>
+            <a:effectRef idx="0">
+              <a:schemeClr val="accent1"/>
+            </a:effectRef>
+            <a:fontRef idx="minor">
+              <a:schemeClr val="lt1"/>
+            </a:fontRef>
+          </p:style>
+          <p:txBody>
+            <a:bodyPr rtlCol="0" anchor="ctr"/>
+            <a:p>
+              <a:pPr algn="ctr"/>
+              <a:r>
+                <a:rPr lang="en-US" altLang="zh-CN"/>
+                <a:t>int main()</a:t>
+              </a:r>
+              <a:endParaRPr lang="en-US" altLang="zh-CN"/>
+            </a:p>
+          </p:txBody>
+        </p:sp>
+        <p:sp>
+          <p:nvSpPr>
+            <p:cNvPr id="12" name="圆角矩形 11"/>
+            <p:cNvSpPr/>
+            <p:nvPr/>
+          </p:nvSpPr>
+          <p:spPr>
+            <a:xfrm>
+              <a:off x="12978" y="2656"/>
+              <a:ext cx="1807" cy="1908"/>
+            </a:xfrm>
+            <a:prstGeom prst="roundRect">
+              <a:avLst/>
+            </a:prstGeom>
+            <a:solidFill>
+              <a:schemeClr val="accent5"/>
+            </a:solidFill>
+          </p:spPr>
+          <p:style>
+            <a:lnRef idx="2">
+              <a:schemeClr val="accent1">
+                <a:shade val="50000"/>
+              </a:schemeClr>
+            </a:lnRef>
+            <a:fillRef idx="1">
+              <a:schemeClr val="accent1"/>
+            </a:fillRef>
+            <a:effectRef idx="0">
+              <a:schemeClr val="accent1"/>
+            </a:effectRef>
+            <a:fontRef idx="minor">
+              <a:schemeClr val="lt1"/>
+            </a:fontRef>
+          </p:style>
+          <p:txBody>
+            <a:bodyPr rtlCol="0" anchor="ctr"/>
+            <a:p>
+              <a:pPr algn="ctr"/>
+              <a:r>
+                <a:rPr lang="en-US" altLang="zh-CN"/>
+                <a:t>int* p1</a:t>
+              </a:r>
+              <a:endParaRPr lang="en-US" altLang="zh-CN"/>
+            </a:p>
+          </p:txBody>
+        </p:sp>
+        <p:sp>
+          <p:nvSpPr>
+            <p:cNvPr id="13" name="圆角矩形 12"/>
+            <p:cNvSpPr/>
+            <p:nvPr/>
+          </p:nvSpPr>
+          <p:spPr>
+            <a:xfrm>
+              <a:off x="15475" y="2663"/>
+              <a:ext cx="1807" cy="1908"/>
+            </a:xfrm>
+            <a:prstGeom prst="roundRect">
+              <a:avLst/>
+            </a:prstGeom>
+            <a:solidFill>
+              <a:schemeClr val="accent5"/>
+            </a:solidFill>
+          </p:spPr>
+          <p:style>
+            <a:lnRef idx="2">
+              <a:schemeClr val="accent1">
+                <a:shade val="50000"/>
+              </a:schemeClr>
+            </a:lnRef>
+            <a:fillRef idx="1">
+              <a:schemeClr val="accent1"/>
+            </a:fillRef>
+            <a:effectRef idx="0">
+              <a:schemeClr val="accent1"/>
+            </a:effectRef>
+            <a:fontRef idx="minor">
+              <a:schemeClr val="lt1"/>
+            </a:fontRef>
+          </p:style>
+          <p:txBody>
+            <a:bodyPr rtlCol="0" anchor="ctr"/>
+            <a:p>
+              <a:pPr algn="ctr"/>
+              <a:r>
+                <a:rPr lang="en-US" altLang="zh-CN">
+                  <a:sym typeface="+mn-ea"/>
+                </a:rPr>
+                <a:t>int* p2</a:t>
+              </a:r>
+              <a:endParaRPr lang="en-US" altLang="zh-CN"/>
+            </a:p>
+          </p:txBody>
+        </p:sp>
+        <p:sp>
+          <p:nvSpPr>
+            <p:cNvPr id="5" name="文本框 4"/>
+            <p:cNvSpPr txBox="1"/>
+            <p:nvPr/>
+          </p:nvSpPr>
+          <p:spPr>
+            <a:xfrm>
+              <a:off x="764" y="7477"/>
+              <a:ext cx="17789" cy="725"/>
+            </a:xfrm>
+            <a:prstGeom prst="rect">
+              <a:avLst/>
+            </a:prstGeom>
+            <a:noFill/>
+          </p:spPr>
+          <p:txBody>
+            <a:bodyPr wrap="square" rtlCol="0">
+              <a:spAutoFit/>
+            </a:bodyPr>
+            <a:p>
+              <a:pPr marL="0" lvl="0" indent="0">
+                <a:buNone/>
+              </a:pPr>
+              <a:r>
+                <a:rPr kumimoji="1" lang="zh-CN" altLang="en-US" sz="2400" dirty="0">
+                  <a:sym typeface="+mn-ea"/>
+                </a:rPr>
+                <a:t>int main ( ) { int * p1 </a:t>
+              </a:r>
+              <a:r>
+                <a:rPr kumimoji="1" lang="en-US" altLang="zh-CN" sz="2400" dirty="0">
+                  <a:sym typeface="+mn-ea"/>
+                </a:rPr>
+                <a:t>; p1</a:t>
+              </a:r>
+              <a:r>
+                <a:rPr kumimoji="1" lang="zh-CN" altLang="en-US" sz="2400" dirty="0">
+                  <a:sym typeface="+mn-ea"/>
+                </a:rPr>
+                <a:t> = new int ( 0 ) ; delete p1 ; int * p2 </a:t>
+              </a:r>
+              <a:r>
+                <a:rPr kumimoji="1" lang="en-US" altLang="zh-CN" sz="2400" dirty="0">
+                  <a:sym typeface="+mn-ea"/>
+                </a:rPr>
+                <a:t>;</a:t>
+              </a:r>
+              <a:r>
+                <a:rPr kumimoji="1" lang="zh-CN" altLang="en-US" sz="2400" dirty="0">
+                  <a:sym typeface="+mn-ea"/>
+                </a:rPr>
+                <a:t> </a:t>
+              </a:r>
+              <a:r>
+                <a:rPr kumimoji="1" lang="en-US" altLang="zh-CN" sz="2400" dirty="0">
+                  <a:sym typeface="+mn-ea"/>
+                </a:rPr>
+                <a:t>p2 </a:t>
+              </a:r>
+              <a:r>
+                <a:rPr kumimoji="1" lang="zh-CN" altLang="en-US" sz="2400" dirty="0">
+                  <a:sym typeface="+mn-ea"/>
+                </a:rPr>
+                <a:t>= p1 ; * p1 = 0 ; * p2 = 0 ; }</a:t>
+              </a:r>
+              <a:endParaRPr kumimoji="1" lang="zh-CN" altLang="en-US" sz="2400" dirty="0">
+                <a:sym typeface="+mn-ea"/>
+              </a:endParaRPr>
+            </a:p>
+          </p:txBody>
+        </p:sp>
+        <p:cxnSp>
+          <p:nvCxnSpPr>
+            <p:cNvPr id="3" name="直接箭头连接符 2"/>
+            <p:cNvCxnSpPr>
+              <a:endCxn id="9" idx="2"/>
+            </p:cNvCxnSpPr>
+            <p:nvPr/>
+          </p:nvCxnSpPr>
+          <p:spPr>
+            <a:xfrm flipH="1" flipV="1">
+              <a:off x="2630" y="4571"/>
+              <a:ext cx="280" cy="2984"/>
+            </a:xfrm>
+            <a:prstGeom prst="straightConnector1">
+              <a:avLst/>
+            </a:prstGeom>
+            <a:ln>
+              <a:tailEnd type="arrow" w="med" len="med"/>
+            </a:ln>
+          </p:spPr>
+          <p:style>
+            <a:lnRef idx="1">
+              <a:schemeClr val="accent3"/>
+            </a:lnRef>
+            <a:fillRef idx="0">
+              <a:schemeClr val="accent3"/>
+            </a:fillRef>
+            <a:effectRef idx="0">
+              <a:schemeClr val="accent3"/>
+            </a:effectRef>
+            <a:fontRef idx="minor">
+              <a:schemeClr val="tx1"/>
+            </a:fontRef>
+          </p:style>
+        </p:cxnSp>
+        <p:cxnSp>
+          <p:nvCxnSpPr>
+            <p:cNvPr id="4" name="直接箭头连接符 3"/>
+            <p:cNvCxnSpPr/>
+            <p:nvPr/>
+          </p:nvCxnSpPr>
+          <p:spPr>
+            <a:xfrm flipV="1">
+              <a:off x="2116" y="4606"/>
+              <a:ext cx="227" cy="2949"/>
+            </a:xfrm>
+            <a:prstGeom prst="straightConnector1">
+              <a:avLst/>
+            </a:prstGeom>
+            <a:ln>
+              <a:tailEnd type="arrow" w="med" len="med"/>
+            </a:ln>
+          </p:spPr>
+          <p:style>
+            <a:lnRef idx="1">
+              <a:schemeClr val="accent3"/>
+            </a:lnRef>
+            <a:fillRef idx="0">
+              <a:schemeClr val="accent3"/>
+            </a:fillRef>
+            <a:effectRef idx="0">
+              <a:schemeClr val="accent3"/>
+            </a:effectRef>
+            <a:fontRef idx="minor">
+              <a:schemeClr val="tx1"/>
+            </a:fontRef>
+          </p:style>
+        </p:cxnSp>
+        <p:cxnSp>
+          <p:nvCxnSpPr>
+            <p:cNvPr id="6" name="直接箭头连接符 5"/>
+            <p:cNvCxnSpPr>
+              <a:endCxn id="10" idx="2"/>
+            </p:cNvCxnSpPr>
+            <p:nvPr/>
+          </p:nvCxnSpPr>
+          <p:spPr>
+            <a:xfrm flipV="1">
+              <a:off x="3179" y="4564"/>
+              <a:ext cx="1932" cy="2932"/>
+            </a:xfrm>
+            <a:prstGeom prst="straightConnector1">
+              <a:avLst/>
+            </a:prstGeom>
+            <a:ln>
+              <a:tailEnd type="arrow" w="med" len="med"/>
+            </a:ln>
+          </p:spPr>
+          <p:style>
+            <a:lnRef idx="1">
+              <a:schemeClr val="accent3"/>
+            </a:lnRef>
+            <a:fillRef idx="0">
+              <a:schemeClr val="accent3"/>
+            </a:fillRef>
+            <a:effectRef idx="0">
+              <a:schemeClr val="accent3"/>
+            </a:effectRef>
+            <a:fontRef idx="minor">
+              <a:schemeClr val="tx1"/>
+            </a:fontRef>
+          </p:style>
+        </p:cxnSp>
+        <p:cxnSp>
+          <p:nvCxnSpPr>
+            <p:cNvPr id="22" name="直接箭头连接符 21"/>
+            <p:cNvCxnSpPr/>
+            <p:nvPr/>
+          </p:nvCxnSpPr>
+          <p:spPr>
+            <a:xfrm flipH="1" flipV="1">
+              <a:off x="5177" y="4606"/>
+              <a:ext cx="12769" cy="2929"/>
+            </a:xfrm>
+            <a:prstGeom prst="straightConnector1">
+              <a:avLst/>
+            </a:prstGeom>
+            <a:ln>
+              <a:tailEnd type="arrow" w="med" len="med"/>
+            </a:ln>
+          </p:spPr>
+          <p:style>
+            <a:lnRef idx="1">
+              <a:schemeClr val="accent3"/>
+            </a:lnRef>
+            <a:fillRef idx="0">
+              <a:schemeClr val="accent3"/>
+            </a:fillRef>
+            <a:effectRef idx="0">
+              <a:schemeClr val="accent3"/>
+            </a:effectRef>
+            <a:fontRef idx="minor">
+              <a:schemeClr val="tx1"/>
+            </a:fontRef>
+          </p:style>
+        </p:cxnSp>
+        <p:cxnSp>
+          <p:nvCxnSpPr>
+            <p:cNvPr id="30" name="直接箭头连接符 29"/>
+            <p:cNvCxnSpPr>
+              <a:endCxn id="11" idx="2"/>
+            </p:cNvCxnSpPr>
+            <p:nvPr/>
+          </p:nvCxnSpPr>
+          <p:spPr>
+            <a:xfrm flipV="1">
+              <a:off x="2384" y="4571"/>
+              <a:ext cx="7021" cy="2944"/>
+            </a:xfrm>
+            <a:prstGeom prst="straightConnector1">
+              <a:avLst/>
+            </a:prstGeom>
+            <a:ln>
+              <a:tailEnd type="arrow"/>
+            </a:ln>
+          </p:spPr>
+          <p:style>
+            <a:lnRef idx="1">
+              <a:schemeClr val="accent1"/>
+            </a:lnRef>
+            <a:fillRef idx="0">
+              <a:schemeClr val="accent1"/>
+            </a:fillRef>
+            <a:effectRef idx="0">
+              <a:schemeClr val="accent1"/>
+            </a:effectRef>
+            <a:fontRef idx="minor">
+              <a:schemeClr val="tx1"/>
+            </a:fontRef>
+          </p:style>
+        </p:cxnSp>
+        <p:cxnSp>
+          <p:nvCxnSpPr>
+            <p:cNvPr id="31" name="直接箭头连接符 30"/>
+            <p:cNvCxnSpPr>
+              <a:endCxn id="12" idx="2"/>
+            </p:cNvCxnSpPr>
+            <p:nvPr/>
+          </p:nvCxnSpPr>
+          <p:spPr>
+            <a:xfrm flipV="1">
+              <a:off x="4570" y="4564"/>
+              <a:ext cx="9312" cy="3051"/>
+            </a:xfrm>
+            <a:prstGeom prst="straightConnector1">
+              <a:avLst/>
+            </a:prstGeom>
+            <a:ln>
+              <a:tailEnd type="arrow" w="med" len="med"/>
+            </a:ln>
+          </p:spPr>
+          <p:style>
+            <a:lnRef idx="1">
+              <a:schemeClr val="accent5"/>
+            </a:lnRef>
+            <a:fillRef idx="0">
+              <a:schemeClr val="accent5"/>
+            </a:fillRef>
+            <a:effectRef idx="0">
+              <a:schemeClr val="accent5"/>
+            </a:effectRef>
+            <a:fontRef idx="minor">
+              <a:schemeClr val="tx1"/>
+            </a:fontRef>
+          </p:style>
+        </p:cxnSp>
+        <p:cxnSp>
+          <p:nvCxnSpPr>
+            <p:cNvPr id="32" name="直接箭头连接符 31"/>
+            <p:cNvCxnSpPr>
+              <a:endCxn id="12" idx="2"/>
+            </p:cNvCxnSpPr>
+            <p:nvPr/>
+          </p:nvCxnSpPr>
+          <p:spPr>
+            <a:xfrm flipV="1">
+              <a:off x="10254" y="4564"/>
+              <a:ext cx="3628" cy="2991"/>
+            </a:xfrm>
+            <a:prstGeom prst="straightConnector1">
+              <a:avLst/>
+            </a:prstGeom>
+            <a:ln>
+              <a:tailEnd type="arrow" w="med" len="med"/>
+            </a:ln>
+          </p:spPr>
+          <p:style>
+            <a:lnRef idx="1">
+              <a:schemeClr val="accent5"/>
+            </a:lnRef>
+            <a:fillRef idx="0">
+              <a:schemeClr val="accent5"/>
+            </a:fillRef>
+            <a:effectRef idx="0">
+              <a:schemeClr val="accent5"/>
+            </a:effectRef>
+            <a:fontRef idx="minor">
+              <a:schemeClr val="tx1"/>
+            </a:fontRef>
+          </p:style>
+        </p:cxnSp>
+        <p:cxnSp>
+          <p:nvCxnSpPr>
+            <p:cNvPr id="33" name="直接箭头连接符 32"/>
+            <p:cNvCxnSpPr>
+              <a:endCxn id="13" idx="2"/>
+            </p:cNvCxnSpPr>
+            <p:nvPr/>
+          </p:nvCxnSpPr>
+          <p:spPr>
+            <a:xfrm flipV="1">
+              <a:off x="12818" y="4571"/>
+              <a:ext cx="3561" cy="3004"/>
+            </a:xfrm>
+            <a:prstGeom prst="straightConnector1">
+              <a:avLst/>
+            </a:prstGeom>
+            <a:ln>
+              <a:tailEnd type="arrow" w="med" len="med"/>
+            </a:ln>
+          </p:spPr>
+          <p:style>
+            <a:lnRef idx="1">
+              <a:schemeClr val="accent5"/>
+            </a:lnRef>
+            <a:fillRef idx="0">
+              <a:schemeClr val="accent5"/>
+            </a:fillRef>
+            <a:effectRef idx="0">
+              <a:schemeClr val="accent5"/>
+            </a:effectRef>
+            <a:fontRef idx="minor">
+              <a:schemeClr val="tx1"/>
+            </a:fontRef>
+          </p:style>
+        </p:cxnSp>
+        <p:cxnSp>
+          <p:nvCxnSpPr>
+            <p:cNvPr id="34" name="直接箭头连接符 33"/>
+            <p:cNvCxnSpPr>
+              <a:endCxn id="13" idx="2"/>
+            </p:cNvCxnSpPr>
+            <p:nvPr/>
+          </p:nvCxnSpPr>
+          <p:spPr>
+            <a:xfrm flipH="1" flipV="1">
+              <a:off x="16379" y="4571"/>
+              <a:ext cx="335" cy="2984"/>
+            </a:xfrm>
+            <a:prstGeom prst="straightConnector1">
+              <a:avLst/>
+            </a:prstGeom>
+            <a:ln>
+              <a:tailEnd type="arrow" w="med" len="med"/>
+            </a:ln>
+          </p:spPr>
+          <p:style>
+            <a:lnRef idx="1">
+              <a:schemeClr val="accent5"/>
+            </a:lnRef>
+            <a:fillRef idx="0">
+              <a:schemeClr val="accent5"/>
+            </a:fillRef>
+            <a:effectRef idx="0">
+              <a:schemeClr val="accent5"/>
+            </a:effectRef>
+            <a:fontRef idx="minor">
+              <a:schemeClr val="tx1"/>
+            </a:fontRef>
+          </p:style>
+        </p:cxnSp>
+      </p:grpSp>
+    </p:spTree>
+  </p:cSld>
+  <p:clrMapOvr>
+    <a:masterClrMapping/>
+  </p:clrMapOvr>
+</p:sld>
+</file>
+
 <file path=ppt/slides/slide2.xml><?xml version="1.0" encoding="utf-8"?>
 <p:sld xmlns:a="http://schemas.openxmlformats.org/drawingml/2006/main" xmlns:r="http://schemas.openxmlformats.org/officeDocument/2006/relationships" xmlns:p="http://schemas.openxmlformats.org/presentationml/2006/main">
   <p:cSld>
@@ -9550,11 +12687,7 @@
             </a:r>
             <a:r>
               <a:rPr lang="zh-CN" altLang="en-US"/>
-              <a:t>类</a:t>
-            </a:r>
-            <a:r>
-              <a:rPr lang="zh-CN" altLang="en-US"/>
-              <a:t>没有检测出p2异常使用（func函数未定义也可能是原因之一）。</a:t>
+              <a:t>类没有检测出p2异常使用（func函数未定义也可能是原因之一）。</a:t>
             </a:r>
             <a:endParaRPr lang="zh-CN" altLang="en-US"/>
           </a:p>
@@ -9572,11 +12705,7 @@
             </a:r>
             <a:r>
               <a:rPr lang="zh-CN" altLang="en-US"/>
-              <a:t>功能</a:t>
-            </a:r>
-            <a:r>
-              <a:rPr lang="zh-CN" altLang="en-US"/>
-              <a:t>异常，p1的值不确定是在delete后确定“未初始化”还是保持了value的初始值“未初始化”。</a:t>
+              <a:t>功能异常，p1的值不确定是在delete后确定“未初始化”还是保持了value的初始值“未初始化”。</a:t>
             </a:r>
             <a:endParaRPr lang="zh-CN" altLang="en-US"/>
           </a:p>
@@ -9849,11 +12978,7 @@
             </a:r>
             <a:r>
               <a:rPr lang="zh-CN" altLang="en-US"/>
-              <a:t>模块</a:t>
-            </a:r>
-            <a:r>
-              <a:rPr lang="zh-CN" altLang="en-US"/>
-              <a:t>）类与对象间关系</a:t>
+              <a:t>模块）类与对象间关系</a:t>
             </a:r>
             <a:endParaRPr lang="zh-CN" altLang="en-US"/>
           </a:p>
